--- a/Stunde_eins.pptx
+++ b/Stunde_eins.pptx
@@ -9,13 +9,15 @@
     <p:sldId id="262" r:id="rId3"/>
     <p:sldId id="263" r:id="rId4"/>
     <p:sldId id="261" r:id="rId5"/>
-    <p:sldId id="259" r:id="rId6"/>
-    <p:sldId id="265" r:id="rId7"/>
-    <p:sldId id="264" r:id="rId8"/>
+    <p:sldId id="265" r:id="rId6"/>
+    <p:sldId id="264" r:id="rId7"/>
+    <p:sldId id="267" r:id="rId8"/>
     <p:sldId id="266" r:id="rId9"/>
-    <p:sldId id="257" r:id="rId10"/>
-    <p:sldId id="258" r:id="rId11"/>
-    <p:sldId id="260" r:id="rId12"/>
+    <p:sldId id="268" r:id="rId10"/>
+    <p:sldId id="260" r:id="rId11"/>
+    <p:sldId id="259" r:id="rId12"/>
+    <p:sldId id="257" r:id="rId13"/>
+    <p:sldId id="258" r:id="rId14"/>
   </p:sldIdLst>
   <p:sldSz cx="12192000" cy="6858000"/>
   <p:notesSz cx="6858000" cy="9144000"/>
@@ -348,7 +350,7 @@
           <a:p>
             <a:fld id="{3D984EFE-C229-442C-9F2C-F2F53AD7AE61}" type="datetimeFigureOut">
               <a:rPr lang="de-DE" smtClean="0"/>
-              <a:t>16.02.2024</a:t>
+              <a:t>17.03.2024</a:t>
             </a:fld>
             <a:endParaRPr lang="de-DE"/>
           </a:p>
@@ -646,7 +648,7 @@
             <a:fld id="{3D984EFE-C229-442C-9F2C-F2F53AD7AE61}" type="datetimeFigureOut">
               <a:rPr lang="de-DE" smtClean="0"/>
               <a:pPr/>
-              <a:t>16.02.2024</a:t>
+              <a:t>17.03.2024</a:t>
             </a:fld>
             <a:endParaRPr lang="de-DE" dirty="0"/>
           </a:p>
@@ -1017,7 +1019,7 @@
           <a:p>
             <a:fld id="{3D984EFE-C229-442C-9F2C-F2F53AD7AE61}" type="datetimeFigureOut">
               <a:rPr lang="de-DE" smtClean="0"/>
-              <a:t>16.02.2024</a:t>
+              <a:t>17.03.2024</a:t>
             </a:fld>
             <a:endParaRPr lang="de-DE"/>
           </a:p>
@@ -1273,7 +1275,7 @@
           <a:p>
             <a:fld id="{3D984EFE-C229-442C-9F2C-F2F53AD7AE61}" type="datetimeFigureOut">
               <a:rPr lang="de-DE" smtClean="0"/>
-              <a:t>16.02.2024</a:t>
+              <a:t>17.03.2024</a:t>
             </a:fld>
             <a:endParaRPr lang="de-DE"/>
           </a:p>
@@ -1443,7 +1445,7 @@
           <a:p>
             <a:fld id="{3D984EFE-C229-442C-9F2C-F2F53AD7AE61}" type="datetimeFigureOut">
               <a:rPr lang="de-DE" smtClean="0"/>
-              <a:t>16.02.2024</a:t>
+              <a:t>17.03.2024</a:t>
             </a:fld>
             <a:endParaRPr lang="de-DE"/>
           </a:p>
@@ -1786,7 +1788,7 @@
           <a:p>
             <a:fld id="{3D984EFE-C229-442C-9F2C-F2F53AD7AE61}" type="datetimeFigureOut">
               <a:rPr lang="de-DE" smtClean="0"/>
-              <a:t>16.02.2024</a:t>
+              <a:t>17.03.2024</a:t>
             </a:fld>
             <a:endParaRPr lang="de-DE"/>
           </a:p>
@@ -2084,7 +2086,7 @@
             <a:fld id="{3D984EFE-C229-442C-9F2C-F2F53AD7AE61}" type="datetimeFigureOut">
               <a:rPr lang="de-DE" smtClean="0"/>
               <a:pPr/>
-              <a:t>16.02.2024</a:t>
+              <a:t>17.03.2024</a:t>
             </a:fld>
             <a:endParaRPr lang="de-DE"/>
           </a:p>
@@ -2522,7 +2524,7 @@
           <a:p>
             <a:fld id="{3D984EFE-C229-442C-9F2C-F2F53AD7AE61}" type="datetimeFigureOut">
               <a:rPr lang="de-DE" smtClean="0"/>
-              <a:t>16.02.2024</a:t>
+              <a:t>17.03.2024</a:t>
             </a:fld>
             <a:endParaRPr lang="de-DE"/>
           </a:p>
@@ -2901,7 +2903,7 @@
           <a:p>
             <a:fld id="{3D984EFE-C229-442C-9F2C-F2F53AD7AE61}" type="datetimeFigureOut">
               <a:rPr lang="de-DE" smtClean="0"/>
-              <a:t>16.02.2024</a:t>
+              <a:t>17.03.2024</a:t>
             </a:fld>
             <a:endParaRPr lang="de-DE"/>
           </a:p>
@@ -3019,7 +3021,7 @@
           <a:p>
             <a:fld id="{3D984EFE-C229-442C-9F2C-F2F53AD7AE61}" type="datetimeFigureOut">
               <a:rPr lang="de-DE" smtClean="0"/>
-              <a:t>16.02.2024</a:t>
+              <a:t>17.03.2024</a:t>
             </a:fld>
             <a:endParaRPr lang="de-DE"/>
           </a:p>
@@ -3190,7 +3192,7 @@
           <a:p>
             <a:fld id="{3D984EFE-C229-442C-9F2C-F2F53AD7AE61}" type="datetimeFigureOut">
               <a:rPr lang="de-DE" smtClean="0"/>
-              <a:t>16.02.2024</a:t>
+              <a:t>17.03.2024</a:t>
             </a:fld>
             <a:endParaRPr lang="de-DE"/>
           </a:p>
@@ -3544,7 +3546,7 @@
           <a:p>
             <a:fld id="{3D984EFE-C229-442C-9F2C-F2F53AD7AE61}" type="datetimeFigureOut">
               <a:rPr lang="de-DE" smtClean="0"/>
-              <a:t>16.02.2024</a:t>
+              <a:t>17.03.2024</a:t>
             </a:fld>
             <a:endParaRPr lang="de-DE"/>
           </a:p>
@@ -3921,7 +3923,7 @@
           <a:p>
             <a:fld id="{3D984EFE-C229-442C-9F2C-F2F53AD7AE61}" type="datetimeFigureOut">
               <a:rPr lang="de-DE" smtClean="0"/>
-              <a:t>16.02.2024</a:t>
+              <a:t>17.03.2024</a:t>
             </a:fld>
             <a:endParaRPr lang="de-DE"/>
           </a:p>
@@ -4208,7 +4210,7 @@
           <a:p>
             <a:fld id="{3D984EFE-C229-442C-9F2C-F2F53AD7AE61}" type="datetimeFigureOut">
               <a:rPr lang="de-DE" smtClean="0"/>
-              <a:t>16.02.2024</a:t>
+              <a:t>17.03.2024</a:t>
             </a:fld>
             <a:endParaRPr lang="de-DE"/>
           </a:p>
@@ -4939,140 +4941,38 @@
       </p:grpSpPr>
       <p:sp>
         <p:nvSpPr>
-          <p:cNvPr id="4" name="Date Placeholder 3">
+          <p:cNvPr id="2" name="Titel 1">
             <a:extLst>
               <a:ext uri="{FF2B5EF4-FFF2-40B4-BE49-F238E27FC236}">
-                <a16:creationId xmlns:a16="http://schemas.microsoft.com/office/drawing/2014/main" id="{9299BFF6-736B-5473-9669-C065225E64C3}"/>
+                <a16:creationId xmlns:a16="http://schemas.microsoft.com/office/drawing/2014/main" id="{8667F891-662F-65A2-F5CC-D5FD5D92E7EE}"/>
               </a:ext>
             </a:extLst>
           </p:cNvPr>
-          <p:cNvSpPr txBox="1">
-            <a:spLocks/>
-          </p:cNvSpPr>
-          <p:nvPr/>
-        </p:nvSpPr>
-        <p:spPr>
-          <a:xfrm>
-            <a:off x="1097280" y="6459785"/>
-            <a:ext cx="2472271" cy="365125"/>
-          </a:xfrm>
-          <a:prstGeom prst="rect">
-            <a:avLst/>
-          </a:prstGeom>
-        </p:spPr>
-        <p:txBody>
-          <a:bodyPr vert="horz" lIns="91440" tIns="45720" rIns="91440" bIns="45720" rtlCol="0" anchor="ctr"/>
-          <a:lstStyle>
-            <a:defPPr>
-              <a:defRPr lang="en-US"/>
-            </a:defPPr>
-            <a:lvl1pPr marL="0" algn="l" defTabSz="457200" rtl="0" eaLnBrk="1" latinLnBrk="0" hangingPunct="1">
-              <a:defRPr sz="900" kern="1200">
-                <a:solidFill>
-                  <a:srgbClr val="FFFFFF"/>
-                </a:solidFill>
-                <a:latin typeface="+mn-lt"/>
-                <a:ea typeface="+mn-ea"/>
-                <a:cs typeface="+mn-cs"/>
-              </a:defRPr>
-            </a:lvl1pPr>
-            <a:lvl2pPr marL="457200" algn="l" defTabSz="457200" rtl="0" eaLnBrk="1" latinLnBrk="0" hangingPunct="1">
-              <a:defRPr sz="1800" kern="1200">
-                <a:solidFill>
-                  <a:schemeClr val="tx1"/>
-                </a:solidFill>
-                <a:latin typeface="+mn-lt"/>
-                <a:ea typeface="+mn-ea"/>
-                <a:cs typeface="+mn-cs"/>
-              </a:defRPr>
-            </a:lvl2pPr>
-            <a:lvl3pPr marL="914400" algn="l" defTabSz="457200" rtl="0" eaLnBrk="1" latinLnBrk="0" hangingPunct="1">
-              <a:defRPr sz="1800" kern="1200">
-                <a:solidFill>
-                  <a:schemeClr val="tx1"/>
-                </a:solidFill>
-                <a:latin typeface="+mn-lt"/>
-                <a:ea typeface="+mn-ea"/>
-                <a:cs typeface="+mn-cs"/>
-              </a:defRPr>
-            </a:lvl3pPr>
-            <a:lvl4pPr marL="1371600" algn="l" defTabSz="457200" rtl="0" eaLnBrk="1" latinLnBrk="0" hangingPunct="1">
-              <a:defRPr sz="1800" kern="1200">
-                <a:solidFill>
-                  <a:schemeClr val="tx1"/>
-                </a:solidFill>
-                <a:latin typeface="+mn-lt"/>
-                <a:ea typeface="+mn-ea"/>
-                <a:cs typeface="+mn-cs"/>
-              </a:defRPr>
-            </a:lvl4pPr>
-            <a:lvl5pPr marL="1828800" algn="l" defTabSz="457200" rtl="0" eaLnBrk="1" latinLnBrk="0" hangingPunct="1">
-              <a:defRPr sz="1800" kern="1200">
-                <a:solidFill>
-                  <a:schemeClr val="tx1"/>
-                </a:solidFill>
-                <a:latin typeface="+mn-lt"/>
-                <a:ea typeface="+mn-ea"/>
-                <a:cs typeface="+mn-cs"/>
-              </a:defRPr>
-            </a:lvl5pPr>
-            <a:lvl6pPr marL="2286000" algn="l" defTabSz="457200" rtl="0" eaLnBrk="1" latinLnBrk="0" hangingPunct="1">
-              <a:defRPr sz="1800" kern="1200">
-                <a:solidFill>
-                  <a:schemeClr val="tx1"/>
-                </a:solidFill>
-                <a:latin typeface="+mn-lt"/>
-                <a:ea typeface="+mn-ea"/>
-                <a:cs typeface="+mn-cs"/>
-              </a:defRPr>
-            </a:lvl6pPr>
-            <a:lvl7pPr marL="2743200" algn="l" defTabSz="457200" rtl="0" eaLnBrk="1" latinLnBrk="0" hangingPunct="1">
-              <a:defRPr sz="1800" kern="1200">
-                <a:solidFill>
-                  <a:schemeClr val="tx1"/>
-                </a:solidFill>
-                <a:latin typeface="+mn-lt"/>
-                <a:ea typeface="+mn-ea"/>
-                <a:cs typeface="+mn-cs"/>
-              </a:defRPr>
-            </a:lvl7pPr>
-            <a:lvl8pPr marL="3200400" algn="l" defTabSz="457200" rtl="0" eaLnBrk="1" latinLnBrk="0" hangingPunct="1">
-              <a:defRPr sz="1800" kern="1200">
-                <a:solidFill>
-                  <a:schemeClr val="tx1"/>
-                </a:solidFill>
-                <a:latin typeface="+mn-lt"/>
-                <a:ea typeface="+mn-ea"/>
-                <a:cs typeface="+mn-cs"/>
-              </a:defRPr>
-            </a:lvl8pPr>
-            <a:lvl9pPr marL="3657600" algn="l" defTabSz="457200" rtl="0" eaLnBrk="1" latinLnBrk="0" hangingPunct="1">
-              <a:defRPr sz="1800" kern="1200">
-                <a:solidFill>
-                  <a:schemeClr val="tx1"/>
-                </a:solidFill>
-                <a:latin typeface="+mn-lt"/>
-                <a:ea typeface="+mn-ea"/>
-                <a:cs typeface="+mn-cs"/>
-              </a:defRPr>
-            </a:lvl9pPr>
-          </a:lstStyle>
-          <a:p>
-            <a:fld id="{3D984EFE-C229-442C-9F2C-F2F53AD7AE61}" type="datetimeFigureOut">
-              <a:rPr lang="de-DE" smtClean="0"/>
-              <a:pPr/>
-              <a:t>16.02.2024</a:t>
-            </a:fld>
-            <a:endParaRPr lang="de-DE" dirty="0"/>
-          </a:p>
-        </p:txBody>
-      </p:sp>
-      <p:sp>
-        <p:nvSpPr>
-          <p:cNvPr id="5" name="Titel 1">
+          <p:cNvSpPr>
+            <a:spLocks noGrp="1"/>
+          </p:cNvSpPr>
+          <p:nvPr>
+            <p:ph type="title"/>
+          </p:nvPr>
+        </p:nvSpPr>
+        <p:spPr/>
+        <p:txBody>
+          <a:bodyPr/>
+          <a:lstStyle/>
+          <a:p>
+            <a:r>
+              <a:rPr lang="de-DE" dirty="0"/>
+              <a:t>Anhang</a:t>
+            </a:r>
+          </a:p>
+        </p:txBody>
+      </p:sp>
+      <p:sp>
+        <p:nvSpPr>
+          <p:cNvPr id="3" name="Inhaltsplatzhalter 2">
             <a:extLst>
               <a:ext uri="{FF2B5EF4-FFF2-40B4-BE49-F238E27FC236}">
-                <a16:creationId xmlns:a16="http://schemas.microsoft.com/office/drawing/2014/main" id="{55424D24-A2F7-E9F9-94FF-E2D5A3F1D8E3}"/>
+                <a16:creationId xmlns:a16="http://schemas.microsoft.com/office/drawing/2014/main" id="{C5C6BC28-F767-EB2C-07E4-405593B880AC}"/>
               </a:ext>
             </a:extLst>
           </p:cNvPr>
@@ -5080,184 +4980,22 @@
             <a:spLocks noGrp="1"/>
           </p:cNvSpPr>
           <p:nvPr>
-            <p:ph type="title"/>
-          </p:nvPr>
-        </p:nvSpPr>
-        <p:spPr>
-          <a:xfrm>
-            <a:off x="1097280" y="298315"/>
-            <a:ext cx="8596668" cy="1320800"/>
-          </a:xfrm>
-        </p:spPr>
+            <p:ph idx="1"/>
+          </p:nvPr>
+        </p:nvSpPr>
+        <p:spPr/>
         <p:txBody>
           <a:bodyPr/>
           <a:lstStyle/>
           <a:p>
-            <a:r>
-              <a:rPr lang="de-DE" dirty="0"/>
-              <a:t>Package Management with </a:t>
-            </a:r>
-            <a:r>
-              <a:rPr lang="de-DE" dirty="0" err="1"/>
-              <a:t>Conda</a:t>
-            </a:r>
-            <a:endParaRPr lang="de-DE" dirty="0"/>
-          </a:p>
-        </p:txBody>
-      </p:sp>
-      <p:sp>
-        <p:nvSpPr>
-          <p:cNvPr id="6" name="Inhaltsplatzhalter 2">
-            <a:extLst>
-              <a:ext uri="{FF2B5EF4-FFF2-40B4-BE49-F238E27FC236}">
-                <a16:creationId xmlns:a16="http://schemas.microsoft.com/office/drawing/2014/main" id="{0DE3679C-60EA-E0D4-F133-2657FDB0FA3C}"/>
-              </a:ext>
-            </a:extLst>
-          </p:cNvPr>
-          <p:cNvSpPr>
-            <a:spLocks noGrp="1"/>
-          </p:cNvSpPr>
-          <p:nvPr>
-            <p:ph idx="1"/>
-          </p:nvPr>
-        </p:nvSpPr>
-        <p:spPr>
-          <a:xfrm>
-            <a:off x="1097280" y="1849304"/>
-            <a:ext cx="8596668" cy="3880773"/>
-          </a:xfrm>
-        </p:spPr>
-        <p:txBody>
-          <a:bodyPr/>
-          <a:lstStyle/>
-          <a:p>
-            <a:r>
-              <a:rPr lang="de-DE" dirty="0"/>
-              <a:t>List </a:t>
-            </a:r>
-            <a:r>
-              <a:rPr lang="de-DE" dirty="0" err="1"/>
-              <a:t>packages</a:t>
-            </a:r>
-            <a:r>
-              <a:rPr lang="de-DE" dirty="0"/>
-              <a:t>: </a:t>
-            </a:r>
-          </a:p>
-          <a:p>
-            <a:pPr lvl="1"/>
-            <a:r>
-              <a:rPr lang="de-DE" dirty="0"/>
-              <a:t>Aktivieren</a:t>
-            </a:r>
-            <a:r>
-              <a:rPr lang="de-DE" b="1" i="1" dirty="0"/>
-              <a:t>: </a:t>
-            </a:r>
-            <a:r>
-              <a:rPr lang="de-DE" b="1" i="1" dirty="0" err="1"/>
-              <a:t>conda</a:t>
-            </a:r>
-            <a:r>
-              <a:rPr lang="de-DE" b="1" i="1" dirty="0"/>
-              <a:t> </a:t>
-            </a:r>
-            <a:r>
-              <a:rPr lang="de-DE" b="1" i="1" dirty="0" err="1"/>
-              <a:t>activate</a:t>
-            </a:r>
-            <a:r>
-              <a:rPr lang="de-DE" b="1" i="1" dirty="0"/>
-              <a:t> </a:t>
-            </a:r>
-            <a:r>
-              <a:rPr lang="de-DE" b="1" i="1" dirty="0" err="1"/>
-              <a:t>myenv</a:t>
-            </a:r>
-            <a:endParaRPr lang="de-DE" b="1" i="1" dirty="0"/>
-          </a:p>
-          <a:p>
-            <a:pPr lvl="1"/>
-            <a:r>
-              <a:rPr lang="de-DE" dirty="0"/>
-              <a:t>Auflisten: </a:t>
-            </a:r>
-            <a:r>
-              <a:rPr lang="de-DE" dirty="0" err="1"/>
-              <a:t>conda</a:t>
-            </a:r>
-            <a:r>
-              <a:rPr lang="de-DE" dirty="0"/>
-              <a:t> </a:t>
-            </a:r>
-            <a:r>
-              <a:rPr lang="de-DE" dirty="0" err="1"/>
-              <a:t>list</a:t>
-            </a:r>
-            <a:endParaRPr lang="de-DE" dirty="0"/>
-          </a:p>
-          <a:p>
-            <a:pPr lvl="1"/>
-            <a:endParaRPr lang="de-DE" dirty="0"/>
-          </a:p>
-          <a:p>
-            <a:r>
-              <a:rPr lang="de-DE" dirty="0"/>
-              <a:t>Packages installieren:</a:t>
-            </a:r>
-          </a:p>
-          <a:p>
-            <a:pPr lvl="1"/>
-            <a:r>
-              <a:rPr lang="de-DE" b="1" i="1" dirty="0" err="1"/>
-              <a:t>Conda</a:t>
-            </a:r>
-            <a:r>
-              <a:rPr lang="de-DE" b="1" i="1" dirty="0"/>
-              <a:t> </a:t>
-            </a:r>
-            <a:r>
-              <a:rPr lang="de-DE" b="1" i="1" dirty="0" err="1"/>
-              <a:t>install</a:t>
-            </a:r>
-            <a:r>
-              <a:rPr lang="de-DE" b="1" i="1" dirty="0"/>
-              <a:t> </a:t>
-            </a:r>
-            <a:r>
-              <a:rPr lang="de-DE" b="1" i="1" dirty="0" err="1"/>
-              <a:t>spyder</a:t>
-            </a:r>
-            <a:endParaRPr lang="de-DE" b="1" i="1" dirty="0"/>
-          </a:p>
-          <a:p>
-            <a:pPr lvl="1"/>
-            <a:endParaRPr lang="de-DE" b="1" i="1" dirty="0"/>
-          </a:p>
-          <a:p>
-            <a:r>
-              <a:rPr lang="de-DE" dirty="0"/>
-              <a:t>Spyder öffnen</a:t>
-            </a:r>
-          </a:p>
-          <a:p>
-            <a:pPr lvl="1"/>
-            <a:r>
-              <a:rPr lang="de-DE" b="1" i="1" dirty="0" err="1"/>
-              <a:t>spyder</a:t>
-            </a:r>
-            <a:endParaRPr lang="de-DE" b="1" i="1" dirty="0"/>
-          </a:p>
-          <a:p>
-            <a:pPr lvl="1"/>
-            <a:endParaRPr lang="de-DE" dirty="0"/>
+            <a:endParaRPr lang="de-DE"/>
           </a:p>
         </p:txBody>
       </p:sp>
     </p:spTree>
     <p:extLst>
       <p:ext uri="{BB962C8B-B14F-4D97-AF65-F5344CB8AC3E}">
-        <p14:creationId xmlns:p14="http://schemas.microsoft.com/office/powerpoint/2010/main" val="1867695760"/>
+        <p14:creationId xmlns:p14="http://schemas.microsoft.com/office/powerpoint/2010/main" val="3799357545"/>
       </p:ext>
     </p:extLst>
   </p:cSld>
@@ -5286,35 +5024,140 @@
       </p:grpSpPr>
       <p:sp>
         <p:nvSpPr>
-          <p:cNvPr id="2" name="Titel 1">
+          <p:cNvPr id="4" name="Date Placeholder 3">
             <a:extLst>
               <a:ext uri="{FF2B5EF4-FFF2-40B4-BE49-F238E27FC236}">
-                <a16:creationId xmlns:a16="http://schemas.microsoft.com/office/drawing/2014/main" id="{8667F891-662F-65A2-F5CC-D5FD5D92E7EE}"/>
+                <a16:creationId xmlns:a16="http://schemas.microsoft.com/office/drawing/2014/main" id="{F01A07F4-38F3-A7AC-D30D-3797187389D9}"/>
               </a:ext>
             </a:extLst>
           </p:cNvPr>
-          <p:cNvSpPr>
-            <a:spLocks noGrp="1"/>
-          </p:cNvSpPr>
-          <p:nvPr>
-            <p:ph type="title"/>
-          </p:nvPr>
-        </p:nvSpPr>
-        <p:spPr/>
-        <p:txBody>
-          <a:bodyPr/>
-          <a:lstStyle/>
-          <a:p>
-            <a:endParaRPr lang="de-DE"/>
-          </a:p>
-        </p:txBody>
-      </p:sp>
-      <p:sp>
-        <p:nvSpPr>
-          <p:cNvPr id="3" name="Inhaltsplatzhalter 2">
+          <p:cNvSpPr txBox="1">
+            <a:spLocks/>
+          </p:cNvSpPr>
+          <p:nvPr/>
+        </p:nvSpPr>
+        <p:spPr>
+          <a:xfrm>
+            <a:off x="1097280" y="6459785"/>
+            <a:ext cx="2472271" cy="365125"/>
+          </a:xfrm>
+          <a:prstGeom prst="rect">
+            <a:avLst/>
+          </a:prstGeom>
+        </p:spPr>
+        <p:txBody>
+          <a:bodyPr vert="horz" lIns="91440" tIns="45720" rIns="91440" bIns="45720" rtlCol="0" anchor="ctr"/>
+          <a:lstStyle>
+            <a:defPPr>
+              <a:defRPr lang="en-US"/>
+            </a:defPPr>
+            <a:lvl1pPr marL="0" algn="l" defTabSz="457200" rtl="0" eaLnBrk="1" latinLnBrk="0" hangingPunct="1">
+              <a:defRPr sz="900" kern="1200">
+                <a:solidFill>
+                  <a:srgbClr val="FFFFFF"/>
+                </a:solidFill>
+                <a:latin typeface="+mn-lt"/>
+                <a:ea typeface="+mn-ea"/>
+                <a:cs typeface="+mn-cs"/>
+              </a:defRPr>
+            </a:lvl1pPr>
+            <a:lvl2pPr marL="457200" algn="l" defTabSz="457200" rtl="0" eaLnBrk="1" latinLnBrk="0" hangingPunct="1">
+              <a:defRPr sz="1800" kern="1200">
+                <a:solidFill>
+                  <a:schemeClr val="tx1"/>
+                </a:solidFill>
+                <a:latin typeface="+mn-lt"/>
+                <a:ea typeface="+mn-ea"/>
+                <a:cs typeface="+mn-cs"/>
+              </a:defRPr>
+            </a:lvl2pPr>
+            <a:lvl3pPr marL="914400" algn="l" defTabSz="457200" rtl="0" eaLnBrk="1" latinLnBrk="0" hangingPunct="1">
+              <a:defRPr sz="1800" kern="1200">
+                <a:solidFill>
+                  <a:schemeClr val="tx1"/>
+                </a:solidFill>
+                <a:latin typeface="+mn-lt"/>
+                <a:ea typeface="+mn-ea"/>
+                <a:cs typeface="+mn-cs"/>
+              </a:defRPr>
+            </a:lvl3pPr>
+            <a:lvl4pPr marL="1371600" algn="l" defTabSz="457200" rtl="0" eaLnBrk="1" latinLnBrk="0" hangingPunct="1">
+              <a:defRPr sz="1800" kern="1200">
+                <a:solidFill>
+                  <a:schemeClr val="tx1"/>
+                </a:solidFill>
+                <a:latin typeface="+mn-lt"/>
+                <a:ea typeface="+mn-ea"/>
+                <a:cs typeface="+mn-cs"/>
+              </a:defRPr>
+            </a:lvl4pPr>
+            <a:lvl5pPr marL="1828800" algn="l" defTabSz="457200" rtl="0" eaLnBrk="1" latinLnBrk="0" hangingPunct="1">
+              <a:defRPr sz="1800" kern="1200">
+                <a:solidFill>
+                  <a:schemeClr val="tx1"/>
+                </a:solidFill>
+                <a:latin typeface="+mn-lt"/>
+                <a:ea typeface="+mn-ea"/>
+                <a:cs typeface="+mn-cs"/>
+              </a:defRPr>
+            </a:lvl5pPr>
+            <a:lvl6pPr marL="2286000" algn="l" defTabSz="457200" rtl="0" eaLnBrk="1" latinLnBrk="0" hangingPunct="1">
+              <a:defRPr sz="1800" kern="1200">
+                <a:solidFill>
+                  <a:schemeClr val="tx1"/>
+                </a:solidFill>
+                <a:latin typeface="+mn-lt"/>
+                <a:ea typeface="+mn-ea"/>
+                <a:cs typeface="+mn-cs"/>
+              </a:defRPr>
+            </a:lvl6pPr>
+            <a:lvl7pPr marL="2743200" algn="l" defTabSz="457200" rtl="0" eaLnBrk="1" latinLnBrk="0" hangingPunct="1">
+              <a:defRPr sz="1800" kern="1200">
+                <a:solidFill>
+                  <a:schemeClr val="tx1"/>
+                </a:solidFill>
+                <a:latin typeface="+mn-lt"/>
+                <a:ea typeface="+mn-ea"/>
+                <a:cs typeface="+mn-cs"/>
+              </a:defRPr>
+            </a:lvl7pPr>
+            <a:lvl8pPr marL="3200400" algn="l" defTabSz="457200" rtl="0" eaLnBrk="1" latinLnBrk="0" hangingPunct="1">
+              <a:defRPr sz="1800" kern="1200">
+                <a:solidFill>
+                  <a:schemeClr val="tx1"/>
+                </a:solidFill>
+                <a:latin typeface="+mn-lt"/>
+                <a:ea typeface="+mn-ea"/>
+                <a:cs typeface="+mn-cs"/>
+              </a:defRPr>
+            </a:lvl8pPr>
+            <a:lvl9pPr marL="3657600" algn="l" defTabSz="457200" rtl="0" eaLnBrk="1" latinLnBrk="0" hangingPunct="1">
+              <a:defRPr sz="1800" kern="1200">
+                <a:solidFill>
+                  <a:schemeClr val="tx1"/>
+                </a:solidFill>
+                <a:latin typeface="+mn-lt"/>
+                <a:ea typeface="+mn-ea"/>
+                <a:cs typeface="+mn-cs"/>
+              </a:defRPr>
+            </a:lvl9pPr>
+          </a:lstStyle>
+          <a:p>
+            <a:fld id="{3D984EFE-C229-442C-9F2C-F2F53AD7AE61}" type="datetimeFigureOut">
+              <a:rPr lang="de-DE" smtClean="0"/>
+              <a:pPr/>
+              <a:t>17.03.2024</a:t>
+            </a:fld>
+            <a:endParaRPr lang="de-DE" dirty="0"/>
+          </a:p>
+        </p:txBody>
+      </p:sp>
+      <p:sp>
+        <p:nvSpPr>
+          <p:cNvPr id="5" name="Titel 1">
             <a:extLst>
               <a:ext uri="{FF2B5EF4-FFF2-40B4-BE49-F238E27FC236}">
-                <a16:creationId xmlns:a16="http://schemas.microsoft.com/office/drawing/2014/main" id="{C5C6BC28-F767-EB2C-07E4-405593B880AC}"/>
+                <a16:creationId xmlns:a16="http://schemas.microsoft.com/office/drawing/2014/main" id="{DFE40F02-0596-2226-A3F5-C0E3AD7376FD}"/>
               </a:ext>
             </a:extLst>
           </p:cNvPr>
@@ -5322,22 +5165,1064 @@
             <a:spLocks noGrp="1"/>
           </p:cNvSpPr>
           <p:nvPr>
-            <p:ph idx="1"/>
-          </p:nvPr>
-        </p:nvSpPr>
-        <p:spPr/>
+            <p:ph type="title"/>
+          </p:nvPr>
+        </p:nvSpPr>
+        <p:spPr>
+          <a:xfrm>
+            <a:off x="1097279" y="317770"/>
+            <a:ext cx="10079801" cy="1320800"/>
+          </a:xfrm>
+        </p:spPr>
         <p:txBody>
           <a:bodyPr/>
           <a:lstStyle/>
           <a:p>
-            <a:endParaRPr lang="de-DE"/>
-          </a:p>
-        </p:txBody>
-      </p:sp>
+            <a:r>
+              <a:rPr lang="de-DE" dirty="0"/>
+              <a:t>Python Installation</a:t>
+            </a:r>
+          </a:p>
+        </p:txBody>
+      </p:sp>
+      <p:sp>
+        <p:nvSpPr>
+          <p:cNvPr id="6" name="Inhaltsplatzhalter 2">
+            <a:extLst>
+              <a:ext uri="{FF2B5EF4-FFF2-40B4-BE49-F238E27FC236}">
+                <a16:creationId xmlns:a16="http://schemas.microsoft.com/office/drawing/2014/main" id="{02DF3B77-A88B-3C53-C407-E36BAA1ED739}"/>
+              </a:ext>
+            </a:extLst>
+          </p:cNvPr>
+          <p:cNvSpPr>
+            <a:spLocks noGrp="1"/>
+          </p:cNvSpPr>
+          <p:nvPr>
+            <p:ph idx="1"/>
+          </p:nvPr>
+        </p:nvSpPr>
+        <p:spPr>
+          <a:xfrm>
+            <a:off x="1097279" y="1868759"/>
+            <a:ext cx="10079801" cy="3880773"/>
+          </a:xfrm>
+        </p:spPr>
+        <p:txBody>
+          <a:bodyPr/>
+          <a:lstStyle/>
+          <a:p>
+            <a:r>
+              <a:rPr lang="de-DE" dirty="0"/>
+              <a:t>Empfehlung Verwendung von:</a:t>
+            </a:r>
+          </a:p>
+          <a:p>
+            <a:pPr lvl="1"/>
+            <a:r>
+              <a:rPr lang="de-DE" b="0" i="0" dirty="0">
+                <a:solidFill>
+                  <a:srgbClr val="040C28"/>
+                </a:solidFill>
+                <a:effectLst/>
+                <a:latin typeface="Google Sans"/>
+              </a:rPr>
+              <a:t>Zusammenstellung von Software-Komponenten, die als Komplettpaket weitergegeben und unterstützt werden</a:t>
+            </a:r>
+          </a:p>
+          <a:p>
+            <a:pPr lvl="1"/>
+            <a:r>
+              <a:rPr lang="de-DE" b="0" i="0" dirty="0">
+                <a:solidFill>
+                  <a:srgbClr val="040C28"/>
+                </a:solidFill>
+                <a:effectLst/>
+                <a:latin typeface="Google Sans"/>
+              </a:rPr>
+              <a:t>Unterstützt Py</a:t>
+            </a:r>
+            <a:r>
+              <a:rPr lang="de-DE" dirty="0">
+                <a:solidFill>
+                  <a:srgbClr val="040C28"/>
+                </a:solidFill>
+                <a:latin typeface="Google Sans"/>
+              </a:rPr>
+              <a:t>thon und R</a:t>
+            </a:r>
+          </a:p>
+          <a:p>
+            <a:pPr lvl="1"/>
+            <a:r>
+              <a:rPr lang="de-DE" b="0" i="0" dirty="0">
+                <a:solidFill>
+                  <a:srgbClr val="040C28"/>
+                </a:solidFill>
+                <a:effectLst/>
+                <a:latin typeface="Google Sans"/>
+              </a:rPr>
+              <a:t>Vorinstalliert kommen über </a:t>
+            </a:r>
+            <a:r>
+              <a:rPr lang="de-DE" dirty="0">
+                <a:solidFill>
+                  <a:srgbClr val="040C28"/>
+                </a:solidFill>
+                <a:latin typeface="Google Sans"/>
+              </a:rPr>
+              <a:t>250 Pakete</a:t>
+            </a:r>
+          </a:p>
+          <a:p>
+            <a:pPr lvl="1"/>
+            <a:r>
+              <a:rPr lang="de-DE" b="0" i="0" dirty="0">
+                <a:solidFill>
+                  <a:srgbClr val="040C28"/>
+                </a:solidFill>
+                <a:effectLst/>
+                <a:latin typeface="Google Sans"/>
+              </a:rPr>
+              <a:t>Unterstützt unter anderem                   , </a:t>
+            </a:r>
+            <a:r>
+              <a:rPr lang="de-DE" b="0" i="0" dirty="0" err="1">
+                <a:solidFill>
+                  <a:srgbClr val="040C28"/>
+                </a:solidFill>
+                <a:effectLst/>
+                <a:latin typeface="Google Sans"/>
+              </a:rPr>
+              <a:t>Jupyter</a:t>
+            </a:r>
+            <a:r>
+              <a:rPr lang="de-DE" b="0" i="0" dirty="0">
+                <a:solidFill>
+                  <a:srgbClr val="040C28"/>
+                </a:solidFill>
+                <a:effectLst/>
+                <a:latin typeface="Google Sans"/>
+              </a:rPr>
+              <a:t> Notebook          und </a:t>
+            </a:r>
+          </a:p>
+          <a:p>
+            <a:pPr lvl="1"/>
+            <a:r>
+              <a:rPr lang="de-DE" dirty="0">
+                <a:solidFill>
+                  <a:srgbClr val="040C28"/>
+                </a:solidFill>
+                <a:latin typeface="Google Sans"/>
+              </a:rPr>
+              <a:t>Vereinfacht Verwaltung von </a:t>
+            </a:r>
+            <a:r>
+              <a:rPr lang="de-DE" dirty="0" err="1">
+                <a:solidFill>
+                  <a:srgbClr val="040C28"/>
+                </a:solidFill>
+                <a:latin typeface="Google Sans"/>
+              </a:rPr>
+              <a:t>Programmierungebungen</a:t>
+            </a:r>
+            <a:endParaRPr lang="de-DE" b="0" i="0" dirty="0">
+              <a:solidFill>
+                <a:srgbClr val="040C28"/>
+              </a:solidFill>
+              <a:effectLst/>
+              <a:latin typeface="Google Sans"/>
+            </a:endParaRPr>
+          </a:p>
+          <a:p>
+            <a:pPr lvl="1"/>
+            <a:r>
+              <a:rPr lang="de-DE" dirty="0"/>
+              <a:t>https://docs.anaconda.com/free/anaconda/install/windows/</a:t>
+            </a:r>
+          </a:p>
+        </p:txBody>
+      </p:sp>
+      <p:pic>
+        <p:nvPicPr>
+          <p:cNvPr id="7" name="Grafik 6">
+            <a:extLst>
+              <a:ext uri="{FF2B5EF4-FFF2-40B4-BE49-F238E27FC236}">
+                <a16:creationId xmlns:a16="http://schemas.microsoft.com/office/drawing/2014/main" id="{E69C0ADA-F31E-EEE5-0B20-BA0C83FDA3CD}"/>
+              </a:ext>
+            </a:extLst>
+          </p:cNvPr>
+          <p:cNvPicPr>
+            <a:picLocks noChangeAspect="1"/>
+          </p:cNvPicPr>
+          <p:nvPr/>
+        </p:nvPicPr>
+        <p:blipFill>
+          <a:blip r:embed="rId2">
+            <a:extLst>
+              <a:ext uri="{28A0092B-C50C-407E-A947-70E740481C1C}">
+                <a14:useLocalDpi xmlns:a14="http://schemas.microsoft.com/office/drawing/2010/main" val="0"/>
+              </a:ext>
+              <a:ext uri="{96DAC541-7B7A-43D3-8B79-37D633B846F1}">
+                <asvg:svgBlip xmlns:asvg="http://schemas.microsoft.com/office/drawing/2016/SVG/main" r:embed="rId3"/>
+              </a:ext>
+            </a:extLst>
+          </a:blip>
+          <a:stretch>
+            <a:fillRect/>
+          </a:stretch>
+        </p:blipFill>
+        <p:spPr>
+          <a:xfrm>
+            <a:off x="4698848" y="1868759"/>
+            <a:ext cx="2377278" cy="343642"/>
+          </a:xfrm>
+          <a:prstGeom prst="rect">
+            <a:avLst/>
+          </a:prstGeom>
+        </p:spPr>
+      </p:pic>
+      <p:pic>
+        <p:nvPicPr>
+          <p:cNvPr id="8" name="Picture 4">
+            <a:extLst>
+              <a:ext uri="{FF2B5EF4-FFF2-40B4-BE49-F238E27FC236}">
+                <a16:creationId xmlns:a16="http://schemas.microsoft.com/office/drawing/2014/main" id="{7FD5372F-338C-70E6-B642-B1BBFF4673B0}"/>
+              </a:ext>
+            </a:extLst>
+          </p:cNvPr>
+          <p:cNvPicPr>
+            <a:picLocks noChangeAspect="1" noChangeArrowheads="1"/>
+          </p:cNvPicPr>
+          <p:nvPr/>
+        </p:nvPicPr>
+        <p:blipFill>
+          <a:blip r:embed="rId4">
+            <a:extLst>
+              <a:ext uri="{28A0092B-C50C-407E-A947-70E740481C1C}">
+                <a14:useLocalDpi xmlns:a14="http://schemas.microsoft.com/office/drawing/2010/main" val="0"/>
+              </a:ext>
+            </a:extLst>
+          </a:blip>
+          <a:srcRect/>
+          <a:stretch>
+            <a:fillRect/>
+          </a:stretch>
+        </p:blipFill>
+        <p:spPr bwMode="auto">
+          <a:xfrm>
+            <a:off x="6837672" y="3387931"/>
+            <a:ext cx="397473" cy="395489"/>
+          </a:xfrm>
+          <a:prstGeom prst="rect">
+            <a:avLst/>
+          </a:prstGeom>
+          <a:noFill/>
+          <a:extLst>
+            <a:ext uri="{909E8E84-426E-40DD-AFC4-6F175D3DCCD1}">
+              <a14:hiddenFill xmlns:a14="http://schemas.microsoft.com/office/drawing/2010/main">
+                <a:solidFill>
+                  <a:srgbClr val="FFFFFF"/>
+                </a:solidFill>
+              </a14:hiddenFill>
+            </a:ext>
+          </a:extLst>
+        </p:spPr>
+      </p:pic>
+      <p:pic>
+        <p:nvPicPr>
+          <p:cNvPr id="9" name="Picture 6" descr="upload.wikimedia.org/wikipedia/commons/thumb/7/7e/...">
+            <a:extLst>
+              <a:ext uri="{FF2B5EF4-FFF2-40B4-BE49-F238E27FC236}">
+                <a16:creationId xmlns:a16="http://schemas.microsoft.com/office/drawing/2014/main" id="{B770E0AA-C931-9A2D-2C66-7A63213835EA}"/>
+              </a:ext>
+            </a:extLst>
+          </p:cNvPr>
+          <p:cNvPicPr>
+            <a:picLocks noChangeAspect="1" noChangeArrowheads="1"/>
+          </p:cNvPicPr>
+          <p:nvPr/>
+        </p:nvPicPr>
+        <p:blipFill rotWithShape="1">
+          <a:blip r:embed="rId5">
+            <a:extLst>
+              <a:ext uri="{28A0092B-C50C-407E-A947-70E740481C1C}">
+                <a14:useLocalDpi xmlns:a14="http://schemas.microsoft.com/office/drawing/2010/main" val="0"/>
+              </a:ext>
+            </a:extLst>
+          </a:blip>
+          <a:srcRect l="9830" t="23958" r="10511" b="20042"/>
+          <a:stretch/>
+        </p:blipFill>
+        <p:spPr bwMode="auto">
+          <a:xfrm>
+            <a:off x="4051182" y="3429000"/>
+            <a:ext cx="925477" cy="277436"/>
+          </a:xfrm>
+          <a:prstGeom prst="rect">
+            <a:avLst/>
+          </a:prstGeom>
+          <a:noFill/>
+          <a:extLst>
+            <a:ext uri="{909E8E84-426E-40DD-AFC4-6F175D3DCCD1}">
+              <a14:hiddenFill xmlns:a14="http://schemas.microsoft.com/office/drawing/2010/main">
+                <a:solidFill>
+                  <a:srgbClr val="FFFFFF"/>
+                </a:solidFill>
+              </a14:hiddenFill>
+            </a:ext>
+          </a:extLst>
+        </p:spPr>
+      </p:pic>
+      <p:pic>
+        <p:nvPicPr>
+          <p:cNvPr id="10" name="Picture 10" descr="upload.wikimedia.org/wikipedia/commons/1/1d/PyChar...">
+            <a:extLst>
+              <a:ext uri="{FF2B5EF4-FFF2-40B4-BE49-F238E27FC236}">
+                <a16:creationId xmlns:a16="http://schemas.microsoft.com/office/drawing/2014/main" id="{6F0B9D03-D3FD-7560-758B-D78DBE1EAADB}"/>
+              </a:ext>
+            </a:extLst>
+          </p:cNvPr>
+          <p:cNvPicPr>
+            <a:picLocks noChangeAspect="1" noChangeArrowheads="1"/>
+          </p:cNvPicPr>
+          <p:nvPr/>
+        </p:nvPicPr>
+        <p:blipFill>
+          <a:blip r:embed="rId6">
+            <a:extLst>
+              <a:ext uri="{28A0092B-C50C-407E-A947-70E740481C1C}">
+                <a14:useLocalDpi xmlns:a14="http://schemas.microsoft.com/office/drawing/2010/main" val="0"/>
+              </a:ext>
+            </a:extLst>
+          </a:blip>
+          <a:srcRect/>
+          <a:stretch>
+            <a:fillRect/>
+          </a:stretch>
+        </p:blipFill>
+        <p:spPr bwMode="auto">
+          <a:xfrm>
+            <a:off x="7900169" y="3368433"/>
+            <a:ext cx="516745" cy="440712"/>
+          </a:xfrm>
+          <a:prstGeom prst="rect">
+            <a:avLst/>
+          </a:prstGeom>
+          <a:noFill/>
+          <a:extLst>
+            <a:ext uri="{909E8E84-426E-40DD-AFC4-6F175D3DCCD1}">
+              <a14:hiddenFill xmlns:a14="http://schemas.microsoft.com/office/drawing/2010/main">
+                <a:solidFill>
+                  <a:srgbClr val="FFFFFF"/>
+                </a:solidFill>
+              </a14:hiddenFill>
+            </a:ext>
+          </a:extLst>
+        </p:spPr>
+      </p:pic>
     </p:spTree>
     <p:extLst>
       <p:ext uri="{BB962C8B-B14F-4D97-AF65-F5344CB8AC3E}">
-        <p14:creationId xmlns:p14="http://schemas.microsoft.com/office/powerpoint/2010/main" val="3799357545"/>
+        <p14:creationId xmlns:p14="http://schemas.microsoft.com/office/powerpoint/2010/main" val="359010660"/>
+      </p:ext>
+    </p:extLst>
+  </p:cSld>
+  <p:clrMapOvr>
+    <a:masterClrMapping/>
+  </p:clrMapOvr>
+</p:sld>
+</file>
+
+<file path=ppt/slides/slide12.xml><?xml version="1.0" encoding="utf-8"?>
+<p:sld xmlns:a="http://schemas.openxmlformats.org/drawingml/2006/main" xmlns:r="http://schemas.openxmlformats.org/officeDocument/2006/relationships" xmlns:p="http://schemas.openxmlformats.org/presentationml/2006/main">
+  <p:cSld>
+    <p:spTree>
+      <p:nvGrpSpPr>
+        <p:cNvPr id="1" name=""/>
+        <p:cNvGrpSpPr/>
+        <p:nvPr/>
+      </p:nvGrpSpPr>
+      <p:grpSpPr>
+        <a:xfrm>
+          <a:off x="0" y="0"/>
+          <a:ext cx="0" cy="0"/>
+          <a:chOff x="0" y="0"/>
+          <a:chExt cx="0" cy="0"/>
+        </a:xfrm>
+      </p:grpSpPr>
+      <p:sp>
+        <p:nvSpPr>
+          <p:cNvPr id="4" name="Date Placeholder 3">
+            <a:extLst>
+              <a:ext uri="{FF2B5EF4-FFF2-40B4-BE49-F238E27FC236}">
+                <a16:creationId xmlns:a16="http://schemas.microsoft.com/office/drawing/2014/main" id="{2BF27315-9AB6-20A4-7C7B-A7385FEDF118}"/>
+              </a:ext>
+            </a:extLst>
+          </p:cNvPr>
+          <p:cNvSpPr txBox="1">
+            <a:spLocks/>
+          </p:cNvSpPr>
+          <p:nvPr/>
+        </p:nvSpPr>
+        <p:spPr>
+          <a:xfrm>
+            <a:off x="1097280" y="6459785"/>
+            <a:ext cx="2472271" cy="365125"/>
+          </a:xfrm>
+          <a:prstGeom prst="rect">
+            <a:avLst/>
+          </a:prstGeom>
+        </p:spPr>
+        <p:txBody>
+          <a:bodyPr vert="horz" lIns="91440" tIns="45720" rIns="91440" bIns="45720" rtlCol="0" anchor="ctr"/>
+          <a:lstStyle>
+            <a:defPPr>
+              <a:defRPr lang="en-US"/>
+            </a:defPPr>
+            <a:lvl1pPr marL="0" algn="l" defTabSz="457200" rtl="0" eaLnBrk="1" latinLnBrk="0" hangingPunct="1">
+              <a:defRPr sz="900" kern="1200">
+                <a:solidFill>
+                  <a:srgbClr val="FFFFFF"/>
+                </a:solidFill>
+                <a:latin typeface="+mn-lt"/>
+                <a:ea typeface="+mn-ea"/>
+                <a:cs typeface="+mn-cs"/>
+              </a:defRPr>
+            </a:lvl1pPr>
+            <a:lvl2pPr marL="457200" algn="l" defTabSz="457200" rtl="0" eaLnBrk="1" latinLnBrk="0" hangingPunct="1">
+              <a:defRPr sz="1800" kern="1200">
+                <a:solidFill>
+                  <a:schemeClr val="tx1"/>
+                </a:solidFill>
+                <a:latin typeface="+mn-lt"/>
+                <a:ea typeface="+mn-ea"/>
+                <a:cs typeface="+mn-cs"/>
+              </a:defRPr>
+            </a:lvl2pPr>
+            <a:lvl3pPr marL="914400" algn="l" defTabSz="457200" rtl="0" eaLnBrk="1" latinLnBrk="0" hangingPunct="1">
+              <a:defRPr sz="1800" kern="1200">
+                <a:solidFill>
+                  <a:schemeClr val="tx1"/>
+                </a:solidFill>
+                <a:latin typeface="+mn-lt"/>
+                <a:ea typeface="+mn-ea"/>
+                <a:cs typeface="+mn-cs"/>
+              </a:defRPr>
+            </a:lvl3pPr>
+            <a:lvl4pPr marL="1371600" algn="l" defTabSz="457200" rtl="0" eaLnBrk="1" latinLnBrk="0" hangingPunct="1">
+              <a:defRPr sz="1800" kern="1200">
+                <a:solidFill>
+                  <a:schemeClr val="tx1"/>
+                </a:solidFill>
+                <a:latin typeface="+mn-lt"/>
+                <a:ea typeface="+mn-ea"/>
+                <a:cs typeface="+mn-cs"/>
+              </a:defRPr>
+            </a:lvl4pPr>
+            <a:lvl5pPr marL="1828800" algn="l" defTabSz="457200" rtl="0" eaLnBrk="1" latinLnBrk="0" hangingPunct="1">
+              <a:defRPr sz="1800" kern="1200">
+                <a:solidFill>
+                  <a:schemeClr val="tx1"/>
+                </a:solidFill>
+                <a:latin typeface="+mn-lt"/>
+                <a:ea typeface="+mn-ea"/>
+                <a:cs typeface="+mn-cs"/>
+              </a:defRPr>
+            </a:lvl5pPr>
+            <a:lvl6pPr marL="2286000" algn="l" defTabSz="457200" rtl="0" eaLnBrk="1" latinLnBrk="0" hangingPunct="1">
+              <a:defRPr sz="1800" kern="1200">
+                <a:solidFill>
+                  <a:schemeClr val="tx1"/>
+                </a:solidFill>
+                <a:latin typeface="+mn-lt"/>
+                <a:ea typeface="+mn-ea"/>
+                <a:cs typeface="+mn-cs"/>
+              </a:defRPr>
+            </a:lvl6pPr>
+            <a:lvl7pPr marL="2743200" algn="l" defTabSz="457200" rtl="0" eaLnBrk="1" latinLnBrk="0" hangingPunct="1">
+              <a:defRPr sz="1800" kern="1200">
+                <a:solidFill>
+                  <a:schemeClr val="tx1"/>
+                </a:solidFill>
+                <a:latin typeface="+mn-lt"/>
+                <a:ea typeface="+mn-ea"/>
+                <a:cs typeface="+mn-cs"/>
+              </a:defRPr>
+            </a:lvl7pPr>
+            <a:lvl8pPr marL="3200400" algn="l" defTabSz="457200" rtl="0" eaLnBrk="1" latinLnBrk="0" hangingPunct="1">
+              <a:defRPr sz="1800" kern="1200">
+                <a:solidFill>
+                  <a:schemeClr val="tx1"/>
+                </a:solidFill>
+                <a:latin typeface="+mn-lt"/>
+                <a:ea typeface="+mn-ea"/>
+                <a:cs typeface="+mn-cs"/>
+              </a:defRPr>
+            </a:lvl8pPr>
+            <a:lvl9pPr marL="3657600" algn="l" defTabSz="457200" rtl="0" eaLnBrk="1" latinLnBrk="0" hangingPunct="1">
+              <a:defRPr sz="1800" kern="1200">
+                <a:solidFill>
+                  <a:schemeClr val="tx1"/>
+                </a:solidFill>
+                <a:latin typeface="+mn-lt"/>
+                <a:ea typeface="+mn-ea"/>
+                <a:cs typeface="+mn-cs"/>
+              </a:defRPr>
+            </a:lvl9pPr>
+          </a:lstStyle>
+          <a:p>
+            <a:fld id="{3D984EFE-C229-442C-9F2C-F2F53AD7AE61}" type="datetimeFigureOut">
+              <a:rPr lang="de-DE" smtClean="0"/>
+              <a:pPr/>
+              <a:t>17.03.2024</a:t>
+            </a:fld>
+            <a:endParaRPr lang="de-DE" dirty="0"/>
+          </a:p>
+        </p:txBody>
+      </p:sp>
+      <p:sp>
+        <p:nvSpPr>
+          <p:cNvPr id="5" name="Titel 1">
+            <a:extLst>
+              <a:ext uri="{FF2B5EF4-FFF2-40B4-BE49-F238E27FC236}">
+                <a16:creationId xmlns:a16="http://schemas.microsoft.com/office/drawing/2014/main" id="{39789A5C-1CFC-C978-9A0A-7B41D817284E}"/>
+              </a:ext>
+            </a:extLst>
+          </p:cNvPr>
+          <p:cNvSpPr>
+            <a:spLocks noGrp="1"/>
+          </p:cNvSpPr>
+          <p:nvPr>
+            <p:ph type="title"/>
+          </p:nvPr>
+        </p:nvSpPr>
+        <p:spPr>
+          <a:xfrm>
+            <a:off x="1097279" y="298315"/>
+            <a:ext cx="10128439" cy="1320800"/>
+          </a:xfrm>
+        </p:spPr>
+        <p:txBody>
+          <a:bodyPr/>
+          <a:lstStyle/>
+          <a:p>
+            <a:r>
+              <a:rPr lang="de-DE" dirty="0"/>
+              <a:t>Environments in </a:t>
+            </a:r>
+            <a:r>
+              <a:rPr lang="de-DE" dirty="0" err="1"/>
+              <a:t>Conda</a:t>
+            </a:r>
+            <a:endParaRPr lang="de-DE" dirty="0"/>
+          </a:p>
+        </p:txBody>
+      </p:sp>
+      <p:sp>
+        <p:nvSpPr>
+          <p:cNvPr id="6" name="Inhaltsplatzhalter 2">
+            <a:extLst>
+              <a:ext uri="{FF2B5EF4-FFF2-40B4-BE49-F238E27FC236}">
+                <a16:creationId xmlns:a16="http://schemas.microsoft.com/office/drawing/2014/main" id="{7700E18D-07F5-BDD0-F771-E558CBAC8AA5}"/>
+              </a:ext>
+            </a:extLst>
+          </p:cNvPr>
+          <p:cNvSpPr>
+            <a:spLocks noGrp="1"/>
+          </p:cNvSpPr>
+          <p:nvPr>
+            <p:ph idx="1"/>
+          </p:nvPr>
+        </p:nvSpPr>
+        <p:spPr>
+          <a:xfrm>
+            <a:off x="1097279" y="1849304"/>
+            <a:ext cx="10128439" cy="3880773"/>
+          </a:xfrm>
+        </p:spPr>
+        <p:txBody>
+          <a:bodyPr/>
+          <a:lstStyle/>
+          <a:p>
+            <a:r>
+              <a:rPr lang="de-DE" dirty="0"/>
+              <a:t>Ermöglicht das Erstellen von unterschiedlichen, unabhängigen Umgebungen für verschiedene Projekt</a:t>
+            </a:r>
+          </a:p>
+          <a:p>
+            <a:pPr lvl="1"/>
+            <a:r>
+              <a:rPr lang="de-DE" dirty="0"/>
+              <a:t>Verwendung unterschiedlicher Python Versionen und Paketen</a:t>
+            </a:r>
+          </a:p>
+          <a:p>
+            <a:pPr lvl="1"/>
+            <a:r>
+              <a:rPr lang="de-DE" dirty="0"/>
+              <a:t>Umgebungen können exportiert und geteilt werden</a:t>
+            </a:r>
+          </a:p>
+          <a:p>
+            <a:r>
+              <a:rPr lang="de-DE" dirty="0"/>
+              <a:t>Erstellen einer Environment</a:t>
+            </a:r>
+          </a:p>
+          <a:p>
+            <a:pPr lvl="1"/>
+            <a:r>
+              <a:rPr lang="de-DE" dirty="0"/>
+              <a:t>Öffnen des </a:t>
+            </a:r>
+            <a:r>
+              <a:rPr lang="de-DE" dirty="0" err="1"/>
+              <a:t>Anaconda</a:t>
+            </a:r>
+            <a:r>
+              <a:rPr lang="de-DE" dirty="0"/>
+              <a:t> Navigator</a:t>
+            </a:r>
+          </a:p>
+          <a:p>
+            <a:pPr lvl="1"/>
+            <a:r>
+              <a:rPr lang="de-DE" dirty="0"/>
+              <a:t>Öffnen des </a:t>
+            </a:r>
+            <a:r>
+              <a:rPr lang="de-DE" dirty="0" err="1"/>
+              <a:t>Anaconda</a:t>
+            </a:r>
+            <a:r>
+              <a:rPr lang="de-DE" dirty="0"/>
+              <a:t> Terminals</a:t>
+            </a:r>
+          </a:p>
+          <a:p>
+            <a:pPr lvl="1"/>
+            <a:r>
+              <a:rPr lang="de-DE" dirty="0"/>
+              <a:t>Erstellen: </a:t>
+            </a:r>
+            <a:r>
+              <a:rPr lang="de-DE" b="1" i="1" dirty="0" err="1"/>
+              <a:t>conda</a:t>
+            </a:r>
+            <a:r>
+              <a:rPr lang="de-DE" b="1" i="1" dirty="0"/>
+              <a:t> </a:t>
+            </a:r>
+            <a:r>
+              <a:rPr lang="de-DE" b="1" i="1" dirty="0" err="1"/>
+              <a:t>create</a:t>
+            </a:r>
+            <a:r>
+              <a:rPr lang="de-DE" b="1" i="1" dirty="0"/>
+              <a:t> --name </a:t>
+            </a:r>
+            <a:r>
+              <a:rPr lang="de-DE" b="1" i="1" dirty="0" err="1"/>
+              <a:t>myenv</a:t>
+            </a:r>
+            <a:endParaRPr lang="de-DE" b="1" i="1" dirty="0"/>
+          </a:p>
+          <a:p>
+            <a:pPr lvl="1"/>
+            <a:r>
+              <a:rPr lang="de-DE" dirty="0"/>
+              <a:t>Aktivieren</a:t>
+            </a:r>
+            <a:r>
+              <a:rPr lang="de-DE" b="1" i="1" dirty="0"/>
+              <a:t>: </a:t>
+            </a:r>
+            <a:r>
+              <a:rPr lang="de-DE" b="1" i="1" dirty="0" err="1"/>
+              <a:t>conda</a:t>
+            </a:r>
+            <a:r>
+              <a:rPr lang="de-DE" b="1" i="1" dirty="0"/>
+              <a:t> </a:t>
+            </a:r>
+            <a:r>
+              <a:rPr lang="de-DE" b="1" i="1" dirty="0" err="1"/>
+              <a:t>activate</a:t>
+            </a:r>
+            <a:r>
+              <a:rPr lang="de-DE" b="1" i="1" dirty="0"/>
+              <a:t> </a:t>
+            </a:r>
+            <a:r>
+              <a:rPr lang="de-DE" b="1" i="1" dirty="0" err="1"/>
+              <a:t>myenv</a:t>
+            </a:r>
+            <a:endParaRPr lang="de-DE" b="1" i="1" dirty="0"/>
+          </a:p>
+          <a:p>
+            <a:pPr lvl="1"/>
+            <a:endParaRPr lang="de-DE" b="1" i="1" dirty="0"/>
+          </a:p>
+          <a:p>
+            <a:pPr marL="457200" lvl="1" indent="0">
+              <a:buNone/>
+            </a:pPr>
+            <a:endParaRPr lang="de-DE" dirty="0"/>
+          </a:p>
+        </p:txBody>
+      </p:sp>
+    </p:spTree>
+    <p:extLst>
+      <p:ext uri="{BB962C8B-B14F-4D97-AF65-F5344CB8AC3E}">
+        <p14:creationId xmlns:p14="http://schemas.microsoft.com/office/powerpoint/2010/main" val="3143212413"/>
+      </p:ext>
+    </p:extLst>
+  </p:cSld>
+  <p:clrMapOvr>
+    <a:masterClrMapping/>
+  </p:clrMapOvr>
+</p:sld>
+</file>
+
+<file path=ppt/slides/slide13.xml><?xml version="1.0" encoding="utf-8"?>
+<p:sld xmlns:a="http://schemas.openxmlformats.org/drawingml/2006/main" xmlns:r="http://schemas.openxmlformats.org/officeDocument/2006/relationships" xmlns:p="http://schemas.openxmlformats.org/presentationml/2006/main">
+  <p:cSld>
+    <p:spTree>
+      <p:nvGrpSpPr>
+        <p:cNvPr id="1" name=""/>
+        <p:cNvGrpSpPr/>
+        <p:nvPr/>
+      </p:nvGrpSpPr>
+      <p:grpSpPr>
+        <a:xfrm>
+          <a:off x="0" y="0"/>
+          <a:ext cx="0" cy="0"/>
+          <a:chOff x="0" y="0"/>
+          <a:chExt cx="0" cy="0"/>
+        </a:xfrm>
+      </p:grpSpPr>
+      <p:sp>
+        <p:nvSpPr>
+          <p:cNvPr id="4" name="Date Placeholder 3">
+            <a:extLst>
+              <a:ext uri="{FF2B5EF4-FFF2-40B4-BE49-F238E27FC236}">
+                <a16:creationId xmlns:a16="http://schemas.microsoft.com/office/drawing/2014/main" id="{9299BFF6-736B-5473-9669-C065225E64C3}"/>
+              </a:ext>
+            </a:extLst>
+          </p:cNvPr>
+          <p:cNvSpPr txBox="1">
+            <a:spLocks/>
+          </p:cNvSpPr>
+          <p:nvPr/>
+        </p:nvSpPr>
+        <p:spPr>
+          <a:xfrm>
+            <a:off x="1097280" y="6459785"/>
+            <a:ext cx="2472271" cy="365125"/>
+          </a:xfrm>
+          <a:prstGeom prst="rect">
+            <a:avLst/>
+          </a:prstGeom>
+        </p:spPr>
+        <p:txBody>
+          <a:bodyPr vert="horz" lIns="91440" tIns="45720" rIns="91440" bIns="45720" rtlCol="0" anchor="ctr"/>
+          <a:lstStyle>
+            <a:defPPr>
+              <a:defRPr lang="en-US"/>
+            </a:defPPr>
+            <a:lvl1pPr marL="0" algn="l" defTabSz="457200" rtl="0" eaLnBrk="1" latinLnBrk="0" hangingPunct="1">
+              <a:defRPr sz="900" kern="1200">
+                <a:solidFill>
+                  <a:srgbClr val="FFFFFF"/>
+                </a:solidFill>
+                <a:latin typeface="+mn-lt"/>
+                <a:ea typeface="+mn-ea"/>
+                <a:cs typeface="+mn-cs"/>
+              </a:defRPr>
+            </a:lvl1pPr>
+            <a:lvl2pPr marL="457200" algn="l" defTabSz="457200" rtl="0" eaLnBrk="1" latinLnBrk="0" hangingPunct="1">
+              <a:defRPr sz="1800" kern="1200">
+                <a:solidFill>
+                  <a:schemeClr val="tx1"/>
+                </a:solidFill>
+                <a:latin typeface="+mn-lt"/>
+                <a:ea typeface="+mn-ea"/>
+                <a:cs typeface="+mn-cs"/>
+              </a:defRPr>
+            </a:lvl2pPr>
+            <a:lvl3pPr marL="914400" algn="l" defTabSz="457200" rtl="0" eaLnBrk="1" latinLnBrk="0" hangingPunct="1">
+              <a:defRPr sz="1800" kern="1200">
+                <a:solidFill>
+                  <a:schemeClr val="tx1"/>
+                </a:solidFill>
+                <a:latin typeface="+mn-lt"/>
+                <a:ea typeface="+mn-ea"/>
+                <a:cs typeface="+mn-cs"/>
+              </a:defRPr>
+            </a:lvl3pPr>
+            <a:lvl4pPr marL="1371600" algn="l" defTabSz="457200" rtl="0" eaLnBrk="1" latinLnBrk="0" hangingPunct="1">
+              <a:defRPr sz="1800" kern="1200">
+                <a:solidFill>
+                  <a:schemeClr val="tx1"/>
+                </a:solidFill>
+                <a:latin typeface="+mn-lt"/>
+                <a:ea typeface="+mn-ea"/>
+                <a:cs typeface="+mn-cs"/>
+              </a:defRPr>
+            </a:lvl4pPr>
+            <a:lvl5pPr marL="1828800" algn="l" defTabSz="457200" rtl="0" eaLnBrk="1" latinLnBrk="0" hangingPunct="1">
+              <a:defRPr sz="1800" kern="1200">
+                <a:solidFill>
+                  <a:schemeClr val="tx1"/>
+                </a:solidFill>
+                <a:latin typeface="+mn-lt"/>
+                <a:ea typeface="+mn-ea"/>
+                <a:cs typeface="+mn-cs"/>
+              </a:defRPr>
+            </a:lvl5pPr>
+            <a:lvl6pPr marL="2286000" algn="l" defTabSz="457200" rtl="0" eaLnBrk="1" latinLnBrk="0" hangingPunct="1">
+              <a:defRPr sz="1800" kern="1200">
+                <a:solidFill>
+                  <a:schemeClr val="tx1"/>
+                </a:solidFill>
+                <a:latin typeface="+mn-lt"/>
+                <a:ea typeface="+mn-ea"/>
+                <a:cs typeface="+mn-cs"/>
+              </a:defRPr>
+            </a:lvl6pPr>
+            <a:lvl7pPr marL="2743200" algn="l" defTabSz="457200" rtl="0" eaLnBrk="1" latinLnBrk="0" hangingPunct="1">
+              <a:defRPr sz="1800" kern="1200">
+                <a:solidFill>
+                  <a:schemeClr val="tx1"/>
+                </a:solidFill>
+                <a:latin typeface="+mn-lt"/>
+                <a:ea typeface="+mn-ea"/>
+                <a:cs typeface="+mn-cs"/>
+              </a:defRPr>
+            </a:lvl7pPr>
+            <a:lvl8pPr marL="3200400" algn="l" defTabSz="457200" rtl="0" eaLnBrk="1" latinLnBrk="0" hangingPunct="1">
+              <a:defRPr sz="1800" kern="1200">
+                <a:solidFill>
+                  <a:schemeClr val="tx1"/>
+                </a:solidFill>
+                <a:latin typeface="+mn-lt"/>
+                <a:ea typeface="+mn-ea"/>
+                <a:cs typeface="+mn-cs"/>
+              </a:defRPr>
+            </a:lvl8pPr>
+            <a:lvl9pPr marL="3657600" algn="l" defTabSz="457200" rtl="0" eaLnBrk="1" latinLnBrk="0" hangingPunct="1">
+              <a:defRPr sz="1800" kern="1200">
+                <a:solidFill>
+                  <a:schemeClr val="tx1"/>
+                </a:solidFill>
+                <a:latin typeface="+mn-lt"/>
+                <a:ea typeface="+mn-ea"/>
+                <a:cs typeface="+mn-cs"/>
+              </a:defRPr>
+            </a:lvl9pPr>
+          </a:lstStyle>
+          <a:p>
+            <a:fld id="{3D984EFE-C229-442C-9F2C-F2F53AD7AE61}" type="datetimeFigureOut">
+              <a:rPr lang="de-DE" smtClean="0"/>
+              <a:pPr/>
+              <a:t>17.03.2024</a:t>
+            </a:fld>
+            <a:endParaRPr lang="de-DE" dirty="0"/>
+          </a:p>
+        </p:txBody>
+      </p:sp>
+      <p:sp>
+        <p:nvSpPr>
+          <p:cNvPr id="5" name="Titel 1">
+            <a:extLst>
+              <a:ext uri="{FF2B5EF4-FFF2-40B4-BE49-F238E27FC236}">
+                <a16:creationId xmlns:a16="http://schemas.microsoft.com/office/drawing/2014/main" id="{55424D24-A2F7-E9F9-94FF-E2D5A3F1D8E3}"/>
+              </a:ext>
+            </a:extLst>
+          </p:cNvPr>
+          <p:cNvSpPr>
+            <a:spLocks noGrp="1"/>
+          </p:cNvSpPr>
+          <p:nvPr>
+            <p:ph type="title"/>
+          </p:nvPr>
+        </p:nvSpPr>
+        <p:spPr>
+          <a:xfrm>
+            <a:off x="1097280" y="298315"/>
+            <a:ext cx="8596668" cy="1320800"/>
+          </a:xfrm>
+        </p:spPr>
+        <p:txBody>
+          <a:bodyPr/>
+          <a:lstStyle/>
+          <a:p>
+            <a:r>
+              <a:rPr lang="de-DE" dirty="0"/>
+              <a:t>Package Management with </a:t>
+            </a:r>
+            <a:r>
+              <a:rPr lang="de-DE" dirty="0" err="1"/>
+              <a:t>Conda</a:t>
+            </a:r>
+            <a:endParaRPr lang="de-DE" dirty="0"/>
+          </a:p>
+        </p:txBody>
+      </p:sp>
+      <p:sp>
+        <p:nvSpPr>
+          <p:cNvPr id="6" name="Inhaltsplatzhalter 2">
+            <a:extLst>
+              <a:ext uri="{FF2B5EF4-FFF2-40B4-BE49-F238E27FC236}">
+                <a16:creationId xmlns:a16="http://schemas.microsoft.com/office/drawing/2014/main" id="{0DE3679C-60EA-E0D4-F133-2657FDB0FA3C}"/>
+              </a:ext>
+            </a:extLst>
+          </p:cNvPr>
+          <p:cNvSpPr>
+            <a:spLocks noGrp="1"/>
+          </p:cNvSpPr>
+          <p:nvPr>
+            <p:ph idx="1"/>
+          </p:nvPr>
+        </p:nvSpPr>
+        <p:spPr>
+          <a:xfrm>
+            <a:off x="1097280" y="1849304"/>
+            <a:ext cx="8596668" cy="3880773"/>
+          </a:xfrm>
+        </p:spPr>
+        <p:txBody>
+          <a:bodyPr/>
+          <a:lstStyle/>
+          <a:p>
+            <a:r>
+              <a:rPr lang="de-DE" dirty="0"/>
+              <a:t>List </a:t>
+            </a:r>
+            <a:r>
+              <a:rPr lang="de-DE" dirty="0" err="1"/>
+              <a:t>packages</a:t>
+            </a:r>
+            <a:r>
+              <a:rPr lang="de-DE" dirty="0"/>
+              <a:t>: </a:t>
+            </a:r>
+          </a:p>
+          <a:p>
+            <a:pPr lvl="1"/>
+            <a:r>
+              <a:rPr lang="de-DE" dirty="0"/>
+              <a:t>Aktivieren</a:t>
+            </a:r>
+            <a:r>
+              <a:rPr lang="de-DE" b="1" i="1" dirty="0"/>
+              <a:t>: </a:t>
+            </a:r>
+            <a:r>
+              <a:rPr lang="de-DE" b="1" i="1" dirty="0" err="1"/>
+              <a:t>conda</a:t>
+            </a:r>
+            <a:r>
+              <a:rPr lang="de-DE" b="1" i="1" dirty="0"/>
+              <a:t> </a:t>
+            </a:r>
+            <a:r>
+              <a:rPr lang="de-DE" b="1" i="1" dirty="0" err="1"/>
+              <a:t>activate</a:t>
+            </a:r>
+            <a:r>
+              <a:rPr lang="de-DE" b="1" i="1" dirty="0"/>
+              <a:t> </a:t>
+            </a:r>
+            <a:r>
+              <a:rPr lang="de-DE" b="1" i="1" dirty="0" err="1"/>
+              <a:t>myenv</a:t>
+            </a:r>
+            <a:endParaRPr lang="de-DE" b="1" i="1" dirty="0"/>
+          </a:p>
+          <a:p>
+            <a:pPr lvl="1"/>
+            <a:r>
+              <a:rPr lang="de-DE" dirty="0"/>
+              <a:t>Auflisten: </a:t>
+            </a:r>
+            <a:r>
+              <a:rPr lang="de-DE" dirty="0" err="1"/>
+              <a:t>conda</a:t>
+            </a:r>
+            <a:r>
+              <a:rPr lang="de-DE" dirty="0"/>
+              <a:t> </a:t>
+            </a:r>
+            <a:r>
+              <a:rPr lang="de-DE" dirty="0" err="1"/>
+              <a:t>list</a:t>
+            </a:r>
+            <a:endParaRPr lang="de-DE" dirty="0"/>
+          </a:p>
+          <a:p>
+            <a:pPr lvl="1"/>
+            <a:endParaRPr lang="de-DE" dirty="0"/>
+          </a:p>
+          <a:p>
+            <a:r>
+              <a:rPr lang="de-DE" dirty="0"/>
+              <a:t>Packages installieren:</a:t>
+            </a:r>
+          </a:p>
+          <a:p>
+            <a:pPr lvl="1"/>
+            <a:r>
+              <a:rPr lang="de-DE" b="1" i="1" dirty="0" err="1"/>
+              <a:t>Conda</a:t>
+            </a:r>
+            <a:r>
+              <a:rPr lang="de-DE" b="1" i="1" dirty="0"/>
+              <a:t> </a:t>
+            </a:r>
+            <a:r>
+              <a:rPr lang="de-DE" b="1" i="1" dirty="0" err="1"/>
+              <a:t>install</a:t>
+            </a:r>
+            <a:r>
+              <a:rPr lang="de-DE" b="1" i="1" dirty="0"/>
+              <a:t> </a:t>
+            </a:r>
+            <a:r>
+              <a:rPr lang="de-DE" b="1" i="1" dirty="0" err="1"/>
+              <a:t>spyder</a:t>
+            </a:r>
+            <a:endParaRPr lang="de-DE" b="1" i="1" dirty="0"/>
+          </a:p>
+          <a:p>
+            <a:pPr lvl="1"/>
+            <a:endParaRPr lang="de-DE" b="1" i="1" dirty="0"/>
+          </a:p>
+          <a:p>
+            <a:r>
+              <a:rPr lang="de-DE" dirty="0"/>
+              <a:t>Spyder öffnen</a:t>
+            </a:r>
+          </a:p>
+          <a:p>
+            <a:pPr lvl="1"/>
+            <a:r>
+              <a:rPr lang="de-DE" b="1" i="1" dirty="0" err="1"/>
+              <a:t>spyder</a:t>
+            </a:r>
+            <a:endParaRPr lang="de-DE" b="1" i="1" dirty="0"/>
+          </a:p>
+          <a:p>
+            <a:pPr lvl="1"/>
+            <a:endParaRPr lang="de-DE" dirty="0"/>
+          </a:p>
+        </p:txBody>
+      </p:sp>
+    </p:spTree>
+    <p:extLst>
+      <p:ext uri="{BB962C8B-B14F-4D97-AF65-F5344CB8AC3E}">
+        <p14:creationId xmlns:p14="http://schemas.microsoft.com/office/powerpoint/2010/main" val="1867695760"/>
       </p:ext>
     </p:extLst>
   </p:cSld>
@@ -5584,6 +6469,16 @@
             </a:r>
           </a:p>
           <a:p>
+            <a:pPr lvl="1">
+              <a:buFont typeface="Courier New" panose="02070309020205020404" pitchFamily="49" charset="0"/>
+              <a:buChar char="o"/>
+            </a:pPr>
+            <a:r>
+              <a:rPr lang="de-DE" dirty="0"/>
+              <a:t>Hintergrund?</a:t>
+            </a:r>
+          </a:p>
+          <a:p>
             <a:pPr>
               <a:buFont typeface="Courier New" panose="02070309020205020404" pitchFamily="49" charset="0"/>
               <a:buChar char="o"/>
@@ -5601,6 +6496,16 @@
             <a:r>
               <a:rPr lang="de-DE" dirty="0"/>
               <a:t> Erwartungen an den Kurs?</a:t>
+            </a:r>
+          </a:p>
+          <a:p>
+            <a:pPr>
+              <a:buFont typeface="Courier New" panose="02070309020205020404" pitchFamily="49" charset="0"/>
+              <a:buChar char="o"/>
+            </a:pPr>
+            <a:r>
+              <a:rPr lang="de-DE" dirty="0"/>
+              <a:t> Fun Fact?</a:t>
             </a:r>
           </a:p>
           <a:p>
@@ -5727,140 +6632,38 @@
       </p:grpSpPr>
       <p:sp>
         <p:nvSpPr>
-          <p:cNvPr id="4" name="Date Placeholder 3">
+          <p:cNvPr id="2" name="Titel 1">
             <a:extLst>
               <a:ext uri="{FF2B5EF4-FFF2-40B4-BE49-F238E27FC236}">
-                <a16:creationId xmlns:a16="http://schemas.microsoft.com/office/drawing/2014/main" id="{F01A07F4-38F3-A7AC-D30D-3797187389D9}"/>
+                <a16:creationId xmlns:a16="http://schemas.microsoft.com/office/drawing/2014/main" id="{0D5A70E3-7904-4148-1655-7172A4A03154}"/>
               </a:ext>
             </a:extLst>
           </p:cNvPr>
-          <p:cNvSpPr txBox="1">
-            <a:spLocks/>
-          </p:cNvSpPr>
-          <p:nvPr/>
-        </p:nvSpPr>
-        <p:spPr>
-          <a:xfrm>
-            <a:off x="1097280" y="6459785"/>
-            <a:ext cx="2472271" cy="365125"/>
-          </a:xfrm>
-          <a:prstGeom prst="rect">
-            <a:avLst/>
-          </a:prstGeom>
-        </p:spPr>
-        <p:txBody>
-          <a:bodyPr vert="horz" lIns="91440" tIns="45720" rIns="91440" bIns="45720" rtlCol="0" anchor="ctr"/>
-          <a:lstStyle>
-            <a:defPPr>
-              <a:defRPr lang="en-US"/>
-            </a:defPPr>
-            <a:lvl1pPr marL="0" algn="l" defTabSz="457200" rtl="0" eaLnBrk="1" latinLnBrk="0" hangingPunct="1">
-              <a:defRPr sz="900" kern="1200">
-                <a:solidFill>
-                  <a:srgbClr val="FFFFFF"/>
-                </a:solidFill>
-                <a:latin typeface="+mn-lt"/>
-                <a:ea typeface="+mn-ea"/>
-                <a:cs typeface="+mn-cs"/>
-              </a:defRPr>
-            </a:lvl1pPr>
-            <a:lvl2pPr marL="457200" algn="l" defTabSz="457200" rtl="0" eaLnBrk="1" latinLnBrk="0" hangingPunct="1">
-              <a:defRPr sz="1800" kern="1200">
-                <a:solidFill>
-                  <a:schemeClr val="tx1"/>
-                </a:solidFill>
-                <a:latin typeface="+mn-lt"/>
-                <a:ea typeface="+mn-ea"/>
-                <a:cs typeface="+mn-cs"/>
-              </a:defRPr>
-            </a:lvl2pPr>
-            <a:lvl3pPr marL="914400" algn="l" defTabSz="457200" rtl="0" eaLnBrk="1" latinLnBrk="0" hangingPunct="1">
-              <a:defRPr sz="1800" kern="1200">
-                <a:solidFill>
-                  <a:schemeClr val="tx1"/>
-                </a:solidFill>
-                <a:latin typeface="+mn-lt"/>
-                <a:ea typeface="+mn-ea"/>
-                <a:cs typeface="+mn-cs"/>
-              </a:defRPr>
-            </a:lvl3pPr>
-            <a:lvl4pPr marL="1371600" algn="l" defTabSz="457200" rtl="0" eaLnBrk="1" latinLnBrk="0" hangingPunct="1">
-              <a:defRPr sz="1800" kern="1200">
-                <a:solidFill>
-                  <a:schemeClr val="tx1"/>
-                </a:solidFill>
-                <a:latin typeface="+mn-lt"/>
-                <a:ea typeface="+mn-ea"/>
-                <a:cs typeface="+mn-cs"/>
-              </a:defRPr>
-            </a:lvl4pPr>
-            <a:lvl5pPr marL="1828800" algn="l" defTabSz="457200" rtl="0" eaLnBrk="1" latinLnBrk="0" hangingPunct="1">
-              <a:defRPr sz="1800" kern="1200">
-                <a:solidFill>
-                  <a:schemeClr val="tx1"/>
-                </a:solidFill>
-                <a:latin typeface="+mn-lt"/>
-                <a:ea typeface="+mn-ea"/>
-                <a:cs typeface="+mn-cs"/>
-              </a:defRPr>
-            </a:lvl5pPr>
-            <a:lvl6pPr marL="2286000" algn="l" defTabSz="457200" rtl="0" eaLnBrk="1" latinLnBrk="0" hangingPunct="1">
-              <a:defRPr sz="1800" kern="1200">
-                <a:solidFill>
-                  <a:schemeClr val="tx1"/>
-                </a:solidFill>
-                <a:latin typeface="+mn-lt"/>
-                <a:ea typeface="+mn-ea"/>
-                <a:cs typeface="+mn-cs"/>
-              </a:defRPr>
-            </a:lvl6pPr>
-            <a:lvl7pPr marL="2743200" algn="l" defTabSz="457200" rtl="0" eaLnBrk="1" latinLnBrk="0" hangingPunct="1">
-              <a:defRPr sz="1800" kern="1200">
-                <a:solidFill>
-                  <a:schemeClr val="tx1"/>
-                </a:solidFill>
-                <a:latin typeface="+mn-lt"/>
-                <a:ea typeface="+mn-ea"/>
-                <a:cs typeface="+mn-cs"/>
-              </a:defRPr>
-            </a:lvl7pPr>
-            <a:lvl8pPr marL="3200400" algn="l" defTabSz="457200" rtl="0" eaLnBrk="1" latinLnBrk="0" hangingPunct="1">
-              <a:defRPr sz="1800" kern="1200">
-                <a:solidFill>
-                  <a:schemeClr val="tx1"/>
-                </a:solidFill>
-                <a:latin typeface="+mn-lt"/>
-                <a:ea typeface="+mn-ea"/>
-                <a:cs typeface="+mn-cs"/>
-              </a:defRPr>
-            </a:lvl8pPr>
-            <a:lvl9pPr marL="3657600" algn="l" defTabSz="457200" rtl="0" eaLnBrk="1" latinLnBrk="0" hangingPunct="1">
-              <a:defRPr sz="1800" kern="1200">
-                <a:solidFill>
-                  <a:schemeClr val="tx1"/>
-                </a:solidFill>
-                <a:latin typeface="+mn-lt"/>
-                <a:ea typeface="+mn-ea"/>
-                <a:cs typeface="+mn-cs"/>
-              </a:defRPr>
-            </a:lvl9pPr>
-          </a:lstStyle>
-          <a:p>
-            <a:fld id="{3D984EFE-C229-442C-9F2C-F2F53AD7AE61}" type="datetimeFigureOut">
-              <a:rPr lang="de-DE" smtClean="0"/>
-              <a:pPr/>
-              <a:t>16.02.2024</a:t>
-            </a:fld>
-            <a:endParaRPr lang="de-DE" dirty="0"/>
-          </a:p>
-        </p:txBody>
-      </p:sp>
-      <p:sp>
-        <p:nvSpPr>
-          <p:cNvPr id="5" name="Titel 1">
+          <p:cNvSpPr>
+            <a:spLocks noGrp="1"/>
+          </p:cNvSpPr>
+          <p:nvPr>
+            <p:ph type="title"/>
+          </p:nvPr>
+        </p:nvSpPr>
+        <p:spPr/>
+        <p:txBody>
+          <a:bodyPr/>
+          <a:lstStyle/>
+          <a:p>
+            <a:r>
+              <a:rPr lang="de-DE" dirty="0"/>
+              <a:t>Warum Python?</a:t>
+            </a:r>
+          </a:p>
+        </p:txBody>
+      </p:sp>
+      <p:sp>
+        <p:nvSpPr>
+          <p:cNvPr id="3" name="Inhaltsplatzhalter 2">
             <a:extLst>
               <a:ext uri="{FF2B5EF4-FFF2-40B4-BE49-F238E27FC236}">
-                <a16:creationId xmlns:a16="http://schemas.microsoft.com/office/drawing/2014/main" id="{DFE40F02-0596-2226-A3F5-C0E3AD7376FD}"/>
+                <a16:creationId xmlns:a16="http://schemas.microsoft.com/office/drawing/2014/main" id="{CB64AE17-63F6-993F-C251-8D8FD8FD6C95}"/>
               </a:ext>
             </a:extLst>
           </p:cNvPr>
@@ -5868,190 +6671,138 @@
             <a:spLocks noGrp="1"/>
           </p:cNvSpPr>
           <p:nvPr>
-            <p:ph type="title"/>
+            <p:ph idx="1"/>
           </p:nvPr>
         </p:nvSpPr>
         <p:spPr>
           <a:xfrm>
-            <a:off x="1097279" y="317770"/>
-            <a:ext cx="10079801" cy="1320800"/>
-          </a:xfrm>
-        </p:spPr>
-        <p:txBody>
-          <a:bodyPr/>
+            <a:off x="1097280" y="1845733"/>
+            <a:ext cx="10058400" cy="4725664"/>
+          </a:xfrm>
+        </p:spPr>
+        <p:txBody>
+          <a:bodyPr>
+            <a:normAutofit lnSpcReduction="10000"/>
+          </a:bodyPr>
           <a:lstStyle/>
           <a:p>
+            <a:pPr>
+              <a:buFont typeface="Courier New" panose="02070309020205020404" pitchFamily="49" charset="0"/>
+              <a:buChar char="o"/>
+            </a:pPr>
             <a:r>
               <a:rPr lang="de-DE" dirty="0"/>
-              <a:t>Python Installation</a:t>
-            </a:r>
-          </a:p>
-        </p:txBody>
-      </p:sp>
-      <p:sp>
-        <p:nvSpPr>
-          <p:cNvPr id="6" name="Inhaltsplatzhalter 2">
+              <a:t> Weltweit beliebteste Programmiersprache</a:t>
+            </a:r>
+            <a:r>
+              <a:rPr lang="de-DE" baseline="30000" dirty="0"/>
+              <a:t>1)</a:t>
+            </a:r>
+            <a:endParaRPr lang="de-DE" dirty="0"/>
+          </a:p>
+          <a:p>
+            <a:pPr>
+              <a:buFont typeface="Courier New" panose="02070309020205020404" pitchFamily="49" charset="0"/>
+              <a:buChar char="o"/>
+            </a:pPr>
+            <a:endParaRPr lang="de-DE" dirty="0"/>
+          </a:p>
+          <a:p>
+            <a:pPr>
+              <a:buFont typeface="Courier New" panose="02070309020205020404" pitchFamily="49" charset="0"/>
+              <a:buChar char="o"/>
+            </a:pPr>
+            <a:endParaRPr lang="de-DE" dirty="0"/>
+          </a:p>
+          <a:p>
+            <a:pPr>
+              <a:buFont typeface="Courier New" panose="02070309020205020404" pitchFamily="49" charset="0"/>
+              <a:buChar char="o"/>
+            </a:pPr>
+            <a:endParaRPr lang="de-DE" dirty="0"/>
+          </a:p>
+          <a:p>
+            <a:pPr>
+              <a:buFont typeface="Courier New" panose="02070309020205020404" pitchFamily="49" charset="0"/>
+              <a:buChar char="o"/>
+            </a:pPr>
+            <a:endParaRPr lang="de-DE" dirty="0"/>
+          </a:p>
+          <a:p>
+            <a:pPr>
+              <a:buFont typeface="Courier New" panose="02070309020205020404" pitchFamily="49" charset="0"/>
+              <a:buChar char="o"/>
+            </a:pPr>
+            <a:endParaRPr lang="de-DE" dirty="0"/>
+          </a:p>
+          <a:p>
+            <a:pPr>
+              <a:buFont typeface="Courier New" panose="02070309020205020404" pitchFamily="49" charset="0"/>
+              <a:buChar char="o"/>
+            </a:pPr>
+            <a:r>
+              <a:rPr lang="de-DE" dirty="0"/>
+              <a:t> Anwenderfreundlich</a:t>
+            </a:r>
+          </a:p>
+          <a:p>
+            <a:pPr lvl="1">
+              <a:buFont typeface="Courier New" panose="02070309020205020404" pitchFamily="49" charset="0"/>
+              <a:buChar char="o"/>
+            </a:pPr>
+            <a:r>
+              <a:rPr lang="de-DE" dirty="0"/>
+              <a:t>Einfach zu lernen</a:t>
+            </a:r>
+          </a:p>
+          <a:p>
+            <a:pPr lvl="1">
+              <a:buFont typeface="Courier New" panose="02070309020205020404" pitchFamily="49" charset="0"/>
+              <a:buChar char="o"/>
+            </a:pPr>
+            <a:r>
+              <a:rPr lang="de-DE" dirty="0"/>
+              <a:t>Flexibel</a:t>
+            </a:r>
+          </a:p>
+          <a:p>
+            <a:pPr lvl="1">
+              <a:buFont typeface="Courier New" panose="02070309020205020404" pitchFamily="49" charset="0"/>
+              <a:buChar char="o"/>
+            </a:pPr>
+            <a:r>
+              <a:rPr lang="de-DE" dirty="0"/>
+              <a:t>Vielseitig (Umfangreiche Bibliotheken)</a:t>
+            </a:r>
+          </a:p>
+          <a:p>
+            <a:pPr lvl="1">
+              <a:buFont typeface="Courier New" panose="02070309020205020404" pitchFamily="49" charset="0"/>
+              <a:buChar char="o"/>
+            </a:pPr>
+            <a:r>
+              <a:rPr lang="de-DE" dirty="0"/>
+              <a:t>Open Source </a:t>
+            </a:r>
+          </a:p>
+          <a:p>
+            <a:pPr>
+              <a:buFont typeface="Courier New" panose="02070309020205020404" pitchFamily="49" charset="0"/>
+              <a:buChar char="o"/>
+            </a:pPr>
+            <a:r>
+              <a:rPr lang="de-DE" sz="1400" dirty="0"/>
+              <a:t>1) https://de.statista.com/statistik/daten/studie/678732/umfrage/beliebteste-programmiersprachen-weltweit-laut-pypl-index/</a:t>
+            </a:r>
+          </a:p>
+        </p:txBody>
+      </p:sp>
+      <p:pic>
+        <p:nvPicPr>
+          <p:cNvPr id="6" name="Grafik 5">
             <a:extLst>
               <a:ext uri="{FF2B5EF4-FFF2-40B4-BE49-F238E27FC236}">
-                <a16:creationId xmlns:a16="http://schemas.microsoft.com/office/drawing/2014/main" id="{02DF3B77-A88B-3C53-C407-E36BAA1ED739}"/>
-              </a:ext>
-            </a:extLst>
-          </p:cNvPr>
-          <p:cNvSpPr>
-            <a:spLocks noGrp="1"/>
-          </p:cNvSpPr>
-          <p:nvPr>
-            <p:ph idx="1"/>
-          </p:nvPr>
-        </p:nvSpPr>
-        <p:spPr>
-          <a:xfrm>
-            <a:off x="1097279" y="1868759"/>
-            <a:ext cx="10079801" cy="3880773"/>
-          </a:xfrm>
-        </p:spPr>
-        <p:txBody>
-          <a:bodyPr/>
-          <a:lstStyle/>
-          <a:p>
-            <a:r>
-              <a:rPr lang="de-DE" dirty="0"/>
-              <a:t>Empfehlung Verwendung von:</a:t>
-            </a:r>
-          </a:p>
-          <a:p>
-            <a:pPr lvl="1"/>
-            <a:r>
-              <a:rPr lang="de-DE" b="0" i="0" dirty="0">
-                <a:solidFill>
-                  <a:srgbClr val="040C28"/>
-                </a:solidFill>
-                <a:effectLst/>
-                <a:latin typeface="Google Sans"/>
-              </a:rPr>
-              <a:t>Zusammenstellung von Software-Komponenten, die als Komplettpaket weitergegeben und unterstützt werden</a:t>
-            </a:r>
-          </a:p>
-          <a:p>
-            <a:pPr lvl="1"/>
-            <a:r>
-              <a:rPr lang="de-DE" b="0" i="0" dirty="0">
-                <a:solidFill>
-                  <a:srgbClr val="040C28"/>
-                </a:solidFill>
-                <a:effectLst/>
-                <a:latin typeface="Google Sans"/>
-              </a:rPr>
-              <a:t>Unterstützt Py</a:t>
-            </a:r>
-            <a:r>
-              <a:rPr lang="de-DE" dirty="0">
-                <a:solidFill>
-                  <a:srgbClr val="040C28"/>
-                </a:solidFill>
-                <a:latin typeface="Google Sans"/>
-              </a:rPr>
-              <a:t>thon und R</a:t>
-            </a:r>
-          </a:p>
-          <a:p>
-            <a:pPr lvl="1"/>
-            <a:r>
-              <a:rPr lang="de-DE" b="0" i="0" dirty="0">
-                <a:solidFill>
-                  <a:srgbClr val="040C28"/>
-                </a:solidFill>
-                <a:effectLst/>
-                <a:latin typeface="Google Sans"/>
-              </a:rPr>
-              <a:t>Vorinstalliert kommen über </a:t>
-            </a:r>
-            <a:r>
-              <a:rPr lang="de-DE" dirty="0">
-                <a:solidFill>
-                  <a:srgbClr val="040C28"/>
-                </a:solidFill>
-                <a:latin typeface="Google Sans"/>
-              </a:rPr>
-              <a:t>250 Pakete</a:t>
-            </a:r>
-          </a:p>
-          <a:p>
-            <a:pPr lvl="1"/>
-            <a:r>
-              <a:rPr lang="de-DE" b="0" i="0" dirty="0">
-                <a:solidFill>
-                  <a:srgbClr val="040C28"/>
-                </a:solidFill>
-                <a:effectLst/>
-                <a:latin typeface="Google Sans"/>
-              </a:rPr>
-              <a:t>Unterstützt unter anderem                   , </a:t>
-            </a:r>
-            <a:r>
-              <a:rPr lang="de-DE" b="0" i="0" dirty="0" err="1">
-                <a:solidFill>
-                  <a:srgbClr val="040C28"/>
-                </a:solidFill>
-                <a:effectLst/>
-                <a:latin typeface="Google Sans"/>
-              </a:rPr>
-              <a:t>Jupyter</a:t>
-            </a:r>
-            <a:r>
-              <a:rPr lang="de-DE" b="0" i="0" dirty="0">
-                <a:solidFill>
-                  <a:srgbClr val="040C28"/>
-                </a:solidFill>
-                <a:effectLst/>
-                <a:latin typeface="Google Sans"/>
-              </a:rPr>
-              <a:t> Notebook          und </a:t>
-            </a:r>
-          </a:p>
-          <a:p>
-            <a:pPr lvl="1"/>
-            <a:r>
-              <a:rPr lang="de-DE" dirty="0">
-                <a:solidFill>
-                  <a:srgbClr val="040C28"/>
-                </a:solidFill>
-                <a:latin typeface="Google Sans"/>
-              </a:rPr>
-              <a:t>Vereinfacht Verwaltung von </a:t>
-            </a:r>
-            <a:r>
-              <a:rPr lang="de-DE" dirty="0" err="1">
-                <a:solidFill>
-                  <a:srgbClr val="040C28"/>
-                </a:solidFill>
-                <a:latin typeface="Google Sans"/>
-              </a:rPr>
-              <a:t>Programmierungebungen</a:t>
-            </a:r>
-            <a:endParaRPr lang="de-DE" b="0" i="0" dirty="0">
-              <a:solidFill>
-                <a:srgbClr val="040C28"/>
-              </a:solidFill>
-              <a:effectLst/>
-              <a:latin typeface="Google Sans"/>
-            </a:endParaRPr>
-          </a:p>
-          <a:p>
-            <a:pPr lvl="1"/>
-            <a:r>
-              <a:rPr lang="de-DE" dirty="0"/>
-              <a:t>https://docs.anaconda.com/free/anaconda/install/windows/</a:t>
-            </a:r>
-          </a:p>
-        </p:txBody>
-      </p:sp>
-      <p:pic>
-        <p:nvPicPr>
-          <p:cNvPr id="7" name="Grafik 6">
-            <a:extLst>
-              <a:ext uri="{FF2B5EF4-FFF2-40B4-BE49-F238E27FC236}">
-                <a16:creationId xmlns:a16="http://schemas.microsoft.com/office/drawing/2014/main" id="{E69C0ADA-F31E-EEE5-0B20-BA0C83FDA3CD}"/>
+                <a16:creationId xmlns:a16="http://schemas.microsoft.com/office/drawing/2014/main" id="{D75D5193-0105-84D1-765E-FD1A238BBDC2}"/>
               </a:ext>
             </a:extLst>
           </p:cNvPr>
@@ -6061,173 +6812,25 @@
           <p:nvPr/>
         </p:nvPicPr>
         <p:blipFill>
-          <a:blip r:embed="rId2">
-            <a:extLst>
-              <a:ext uri="{28A0092B-C50C-407E-A947-70E740481C1C}">
-                <a14:useLocalDpi xmlns:a14="http://schemas.microsoft.com/office/drawing/2010/main" val="0"/>
-              </a:ext>
-              <a:ext uri="{96DAC541-7B7A-43D3-8B79-37D633B846F1}">
-                <asvg:svgBlip xmlns:asvg="http://schemas.microsoft.com/office/drawing/2016/SVG/main" r:embed="rId3"/>
-              </a:ext>
-            </a:extLst>
-          </a:blip>
+          <a:blip r:embed="rId2"/>
           <a:stretch>
             <a:fillRect/>
           </a:stretch>
         </p:blipFill>
         <p:spPr>
           <a:xfrm>
-            <a:off x="4698848" y="1868759"/>
-            <a:ext cx="2377278" cy="343642"/>
+            <a:off x="1347606" y="2120226"/>
+            <a:ext cx="6619875" cy="2247900"/>
           </a:xfrm>
           <a:prstGeom prst="rect">
             <a:avLst/>
           </a:prstGeom>
-        </p:spPr>
-      </p:pic>
-      <p:pic>
-        <p:nvPicPr>
-          <p:cNvPr id="8" name="Picture 4">
-            <a:extLst>
-              <a:ext uri="{FF2B5EF4-FFF2-40B4-BE49-F238E27FC236}">
-                <a16:creationId xmlns:a16="http://schemas.microsoft.com/office/drawing/2014/main" id="{7FD5372F-338C-70E6-B642-B1BBFF4673B0}"/>
-              </a:ext>
-            </a:extLst>
-          </p:cNvPr>
-          <p:cNvPicPr>
-            <a:picLocks noChangeAspect="1" noChangeArrowheads="1"/>
-          </p:cNvPicPr>
-          <p:nvPr/>
-        </p:nvPicPr>
-        <p:blipFill>
-          <a:blip r:embed="rId4">
-            <a:extLst>
-              <a:ext uri="{28A0092B-C50C-407E-A947-70E740481C1C}">
-                <a14:useLocalDpi xmlns:a14="http://schemas.microsoft.com/office/drawing/2010/main" val="0"/>
-              </a:ext>
-            </a:extLst>
-          </a:blip>
-          <a:srcRect/>
-          <a:stretch>
-            <a:fillRect/>
-          </a:stretch>
-        </p:blipFill>
-        <p:spPr bwMode="auto">
-          <a:xfrm>
-            <a:off x="6837672" y="3387931"/>
-            <a:ext cx="397473" cy="395489"/>
-          </a:xfrm>
-          <a:prstGeom prst="rect">
-            <a:avLst/>
-          </a:prstGeom>
-          <a:noFill/>
-          <a:extLst>
-            <a:ext uri="{909E8E84-426E-40DD-AFC4-6F175D3DCCD1}">
-              <a14:hiddenFill xmlns:a14="http://schemas.microsoft.com/office/drawing/2010/main">
-                <a:solidFill>
-                  <a:srgbClr val="FFFFFF"/>
-                </a:solidFill>
-              </a14:hiddenFill>
-            </a:ext>
-          </a:extLst>
-        </p:spPr>
-      </p:pic>
-      <p:pic>
-        <p:nvPicPr>
-          <p:cNvPr id="9" name="Picture 6" descr="upload.wikimedia.org/wikipedia/commons/thumb/7/7e/...">
-            <a:extLst>
-              <a:ext uri="{FF2B5EF4-FFF2-40B4-BE49-F238E27FC236}">
-                <a16:creationId xmlns:a16="http://schemas.microsoft.com/office/drawing/2014/main" id="{B770E0AA-C931-9A2D-2C66-7A63213835EA}"/>
-              </a:ext>
-            </a:extLst>
-          </p:cNvPr>
-          <p:cNvPicPr>
-            <a:picLocks noChangeAspect="1" noChangeArrowheads="1"/>
-          </p:cNvPicPr>
-          <p:nvPr/>
-        </p:nvPicPr>
-        <p:blipFill rotWithShape="1">
-          <a:blip r:embed="rId5">
-            <a:extLst>
-              <a:ext uri="{28A0092B-C50C-407E-A947-70E740481C1C}">
-                <a14:useLocalDpi xmlns:a14="http://schemas.microsoft.com/office/drawing/2010/main" val="0"/>
-              </a:ext>
-            </a:extLst>
-          </a:blip>
-          <a:srcRect l="9830" t="23958" r="10511" b="20042"/>
-          <a:stretch/>
-        </p:blipFill>
-        <p:spPr bwMode="auto">
-          <a:xfrm>
-            <a:off x="4051182" y="3429000"/>
-            <a:ext cx="925477" cy="277436"/>
-          </a:xfrm>
-          <a:prstGeom prst="rect">
-            <a:avLst/>
-          </a:prstGeom>
-          <a:noFill/>
-          <a:extLst>
-            <a:ext uri="{909E8E84-426E-40DD-AFC4-6F175D3DCCD1}">
-              <a14:hiddenFill xmlns:a14="http://schemas.microsoft.com/office/drawing/2010/main">
-                <a:solidFill>
-                  <a:srgbClr val="FFFFFF"/>
-                </a:solidFill>
-              </a14:hiddenFill>
-            </a:ext>
-          </a:extLst>
-        </p:spPr>
-      </p:pic>
-      <p:pic>
-        <p:nvPicPr>
-          <p:cNvPr id="10" name="Picture 10" descr="upload.wikimedia.org/wikipedia/commons/1/1d/PyChar...">
-            <a:extLst>
-              <a:ext uri="{FF2B5EF4-FFF2-40B4-BE49-F238E27FC236}">
-                <a16:creationId xmlns:a16="http://schemas.microsoft.com/office/drawing/2014/main" id="{6F0B9D03-D3FD-7560-758B-D78DBE1EAADB}"/>
-              </a:ext>
-            </a:extLst>
-          </p:cNvPr>
-          <p:cNvPicPr>
-            <a:picLocks noChangeAspect="1" noChangeArrowheads="1"/>
-          </p:cNvPicPr>
-          <p:nvPr/>
-        </p:nvPicPr>
-        <p:blipFill>
-          <a:blip r:embed="rId6">
-            <a:extLst>
-              <a:ext uri="{28A0092B-C50C-407E-A947-70E740481C1C}">
-                <a14:useLocalDpi xmlns:a14="http://schemas.microsoft.com/office/drawing/2010/main" val="0"/>
-              </a:ext>
-            </a:extLst>
-          </a:blip>
-          <a:srcRect/>
-          <a:stretch>
-            <a:fillRect/>
-          </a:stretch>
-        </p:blipFill>
-        <p:spPr bwMode="auto">
-          <a:xfrm>
-            <a:off x="7900169" y="3368433"/>
-            <a:ext cx="516745" cy="440712"/>
-          </a:xfrm>
-          <a:prstGeom prst="rect">
-            <a:avLst/>
-          </a:prstGeom>
-          <a:noFill/>
-          <a:extLst>
-            <a:ext uri="{909E8E84-426E-40DD-AFC4-6F175D3DCCD1}">
-              <a14:hiddenFill xmlns:a14="http://schemas.microsoft.com/office/drawing/2010/main">
-                <a:solidFill>
-                  <a:srgbClr val="FFFFFF"/>
-                </a:solidFill>
-              </a14:hiddenFill>
-            </a:ext>
-          </a:extLst>
         </p:spPr>
       </p:pic>
     </p:spTree>
     <p:extLst>
       <p:ext uri="{BB962C8B-B14F-4D97-AF65-F5344CB8AC3E}">
-        <p14:creationId xmlns:p14="http://schemas.microsoft.com/office/powerpoint/2010/main" val="359010660"/>
+        <p14:creationId xmlns:p14="http://schemas.microsoft.com/office/powerpoint/2010/main" val="887748984"/>
       </p:ext>
     </p:extLst>
   </p:cSld>
@@ -6259,233 +6862,6 @@
           <p:cNvPr id="2" name="Titel 1">
             <a:extLst>
               <a:ext uri="{FF2B5EF4-FFF2-40B4-BE49-F238E27FC236}">
-                <a16:creationId xmlns:a16="http://schemas.microsoft.com/office/drawing/2014/main" id="{0D5A70E3-7904-4148-1655-7172A4A03154}"/>
-              </a:ext>
-            </a:extLst>
-          </p:cNvPr>
-          <p:cNvSpPr>
-            <a:spLocks noGrp="1"/>
-          </p:cNvSpPr>
-          <p:nvPr>
-            <p:ph type="title"/>
-          </p:nvPr>
-        </p:nvSpPr>
-        <p:spPr/>
-        <p:txBody>
-          <a:bodyPr/>
-          <a:lstStyle/>
-          <a:p>
-            <a:r>
-              <a:rPr lang="de-DE" dirty="0"/>
-              <a:t>Warum Python?</a:t>
-            </a:r>
-          </a:p>
-        </p:txBody>
-      </p:sp>
-      <p:sp>
-        <p:nvSpPr>
-          <p:cNvPr id="3" name="Inhaltsplatzhalter 2">
-            <a:extLst>
-              <a:ext uri="{FF2B5EF4-FFF2-40B4-BE49-F238E27FC236}">
-                <a16:creationId xmlns:a16="http://schemas.microsoft.com/office/drawing/2014/main" id="{CB64AE17-63F6-993F-C251-8D8FD8FD6C95}"/>
-              </a:ext>
-            </a:extLst>
-          </p:cNvPr>
-          <p:cNvSpPr>
-            <a:spLocks noGrp="1"/>
-          </p:cNvSpPr>
-          <p:nvPr>
-            <p:ph idx="1"/>
-          </p:nvPr>
-        </p:nvSpPr>
-        <p:spPr>
-          <a:xfrm>
-            <a:off x="1097280" y="1845733"/>
-            <a:ext cx="10058400" cy="4725664"/>
-          </a:xfrm>
-        </p:spPr>
-        <p:txBody>
-          <a:bodyPr>
-            <a:normAutofit lnSpcReduction="10000"/>
-          </a:bodyPr>
-          <a:lstStyle/>
-          <a:p>
-            <a:pPr>
-              <a:buFont typeface="Courier New" panose="02070309020205020404" pitchFamily="49" charset="0"/>
-              <a:buChar char="o"/>
-            </a:pPr>
-            <a:r>
-              <a:rPr lang="de-DE" dirty="0"/>
-              <a:t> Weltweit beliebteste Programmiersprache</a:t>
-            </a:r>
-            <a:r>
-              <a:rPr lang="de-DE" baseline="30000" dirty="0"/>
-              <a:t>1)</a:t>
-            </a:r>
-            <a:endParaRPr lang="de-DE" dirty="0"/>
-          </a:p>
-          <a:p>
-            <a:pPr>
-              <a:buFont typeface="Courier New" panose="02070309020205020404" pitchFamily="49" charset="0"/>
-              <a:buChar char="o"/>
-            </a:pPr>
-            <a:endParaRPr lang="de-DE" dirty="0"/>
-          </a:p>
-          <a:p>
-            <a:pPr>
-              <a:buFont typeface="Courier New" panose="02070309020205020404" pitchFamily="49" charset="0"/>
-              <a:buChar char="o"/>
-            </a:pPr>
-            <a:endParaRPr lang="de-DE" dirty="0"/>
-          </a:p>
-          <a:p>
-            <a:pPr>
-              <a:buFont typeface="Courier New" panose="02070309020205020404" pitchFamily="49" charset="0"/>
-              <a:buChar char="o"/>
-            </a:pPr>
-            <a:endParaRPr lang="de-DE" dirty="0"/>
-          </a:p>
-          <a:p>
-            <a:pPr>
-              <a:buFont typeface="Courier New" panose="02070309020205020404" pitchFamily="49" charset="0"/>
-              <a:buChar char="o"/>
-            </a:pPr>
-            <a:endParaRPr lang="de-DE" dirty="0"/>
-          </a:p>
-          <a:p>
-            <a:pPr>
-              <a:buFont typeface="Courier New" panose="02070309020205020404" pitchFamily="49" charset="0"/>
-              <a:buChar char="o"/>
-            </a:pPr>
-            <a:endParaRPr lang="de-DE" dirty="0"/>
-          </a:p>
-          <a:p>
-            <a:pPr>
-              <a:buFont typeface="Courier New" panose="02070309020205020404" pitchFamily="49" charset="0"/>
-              <a:buChar char="o"/>
-            </a:pPr>
-            <a:r>
-              <a:rPr lang="de-DE" dirty="0"/>
-              <a:t> Anwenderfreundlich</a:t>
-            </a:r>
-          </a:p>
-          <a:p>
-            <a:pPr lvl="1">
-              <a:buFont typeface="Courier New" panose="02070309020205020404" pitchFamily="49" charset="0"/>
-              <a:buChar char="o"/>
-            </a:pPr>
-            <a:r>
-              <a:rPr lang="de-DE" dirty="0"/>
-              <a:t>Einfach zu lernen</a:t>
-            </a:r>
-          </a:p>
-          <a:p>
-            <a:pPr lvl="1">
-              <a:buFont typeface="Courier New" panose="02070309020205020404" pitchFamily="49" charset="0"/>
-              <a:buChar char="o"/>
-            </a:pPr>
-            <a:r>
-              <a:rPr lang="de-DE" dirty="0"/>
-              <a:t>Flexibel</a:t>
-            </a:r>
-          </a:p>
-          <a:p>
-            <a:pPr lvl="1">
-              <a:buFont typeface="Courier New" panose="02070309020205020404" pitchFamily="49" charset="0"/>
-              <a:buChar char="o"/>
-            </a:pPr>
-            <a:r>
-              <a:rPr lang="de-DE" dirty="0"/>
-              <a:t>Vielseitig (Umfangreiche Bibliotheken)</a:t>
-            </a:r>
-          </a:p>
-          <a:p>
-            <a:pPr lvl="1">
-              <a:buFont typeface="Courier New" panose="02070309020205020404" pitchFamily="49" charset="0"/>
-              <a:buChar char="o"/>
-            </a:pPr>
-            <a:r>
-              <a:rPr lang="de-DE" dirty="0"/>
-              <a:t>Open Source </a:t>
-            </a:r>
-          </a:p>
-          <a:p>
-            <a:pPr>
-              <a:buFont typeface="Courier New" panose="02070309020205020404" pitchFamily="49" charset="0"/>
-              <a:buChar char="o"/>
-            </a:pPr>
-            <a:r>
-              <a:rPr lang="de-DE" sz="1400" dirty="0"/>
-              <a:t>1) https://de.statista.com/statistik/daten/studie/678732/umfrage/beliebteste-programmiersprachen-weltweit-laut-pypl-index/</a:t>
-            </a:r>
-          </a:p>
-        </p:txBody>
-      </p:sp>
-      <p:pic>
-        <p:nvPicPr>
-          <p:cNvPr id="6" name="Grafik 5">
-            <a:extLst>
-              <a:ext uri="{FF2B5EF4-FFF2-40B4-BE49-F238E27FC236}">
-                <a16:creationId xmlns:a16="http://schemas.microsoft.com/office/drawing/2014/main" id="{D75D5193-0105-84D1-765E-FD1A238BBDC2}"/>
-              </a:ext>
-            </a:extLst>
-          </p:cNvPr>
-          <p:cNvPicPr>
-            <a:picLocks noChangeAspect="1"/>
-          </p:cNvPicPr>
-          <p:nvPr/>
-        </p:nvPicPr>
-        <p:blipFill>
-          <a:blip r:embed="rId2"/>
-          <a:stretch>
-            <a:fillRect/>
-          </a:stretch>
-        </p:blipFill>
-        <p:spPr>
-          <a:xfrm>
-            <a:off x="1347606" y="2120226"/>
-            <a:ext cx="6619875" cy="2247900"/>
-          </a:xfrm>
-          <a:prstGeom prst="rect">
-            <a:avLst/>
-          </a:prstGeom>
-        </p:spPr>
-      </p:pic>
-    </p:spTree>
-    <p:extLst>
-      <p:ext uri="{BB962C8B-B14F-4D97-AF65-F5344CB8AC3E}">
-        <p14:creationId xmlns:p14="http://schemas.microsoft.com/office/powerpoint/2010/main" val="887748984"/>
-      </p:ext>
-    </p:extLst>
-  </p:cSld>
-  <p:clrMapOvr>
-    <a:masterClrMapping/>
-  </p:clrMapOvr>
-</p:sld>
-</file>
-
-<file path=ppt/slides/slide7.xml><?xml version="1.0" encoding="utf-8"?>
-<p:sld xmlns:a="http://schemas.openxmlformats.org/drawingml/2006/main" xmlns:r="http://schemas.openxmlformats.org/officeDocument/2006/relationships" xmlns:p="http://schemas.openxmlformats.org/presentationml/2006/main">
-  <p:cSld>
-    <p:spTree>
-      <p:nvGrpSpPr>
-        <p:cNvPr id="1" name=""/>
-        <p:cNvGrpSpPr/>
-        <p:nvPr/>
-      </p:nvGrpSpPr>
-      <p:grpSpPr>
-        <a:xfrm>
-          <a:off x="0" y="0"/>
-          <a:ext cx="0" cy="0"/>
-          <a:chOff x="0" y="0"/>
-          <a:chExt cx="0" cy="0"/>
-        </a:xfrm>
-      </p:grpSpPr>
-      <p:sp>
-        <p:nvSpPr>
-          <p:cNvPr id="2" name="Titel 1">
-            <a:extLst>
-              <a:ext uri="{FF2B5EF4-FFF2-40B4-BE49-F238E27FC236}">
                 <a16:creationId xmlns:a16="http://schemas.microsoft.com/office/drawing/2014/main" id="{9700982B-676C-F7F5-9231-59B9C6F793CE}"/>
               </a:ext>
             </a:extLst>
@@ -6525,7 +6901,12 @@
             <p:ph idx="1"/>
           </p:nvPr>
         </p:nvSpPr>
-        <p:spPr/>
+        <p:spPr>
+          <a:xfrm>
+            <a:off x="1097280" y="1845733"/>
+            <a:ext cx="10058400" cy="4828443"/>
+          </a:xfrm>
+        </p:spPr>
         <p:txBody>
           <a:bodyPr/>
           <a:lstStyle/>
@@ -6615,9 +6996,22 @@
                 <a:solidFill>
                   <a:srgbClr val="040C28"/>
                 </a:solidFill>
-                <a:latin typeface="Google Sans"/>
               </a:rPr>
               <a:t>Konsole oder Kommandozeile</a:t>
+            </a:r>
+          </a:p>
+          <a:p>
+            <a:pPr lvl="2">
+              <a:buFont typeface="Courier New" panose="02070309020205020404" pitchFamily="49" charset="0"/>
+              <a:buChar char="o"/>
+            </a:pPr>
+            <a:r>
+              <a:rPr lang="de-DE" dirty="0">
+                <a:solidFill>
+                  <a:srgbClr val="040C28"/>
+                </a:solidFill>
+              </a:rPr>
+              <a:t>ein Computerprogramm ohne grafische Benutzeroberfläche</a:t>
             </a:r>
           </a:p>
           <a:p>
@@ -6630,7 +7024,6 @@
                 <a:solidFill>
                   <a:srgbClr val="040C28"/>
                 </a:solidFill>
-                <a:latin typeface="Google Sans"/>
               </a:rPr>
               <a:t>Module</a:t>
             </a:r>
@@ -6664,24 +7057,20 @@
             </a:r>
           </a:p>
           <a:p>
-            <a:pPr lvl="1">
+            <a:pPr lvl="2">
               <a:buFont typeface="Courier New" panose="02070309020205020404" pitchFamily="49" charset="0"/>
               <a:buChar char="o"/>
             </a:pPr>
             <a:r>
-              <a:rPr lang="de-DE" dirty="0"/>
-              <a:t>Interpreter</a:t>
-            </a:r>
-          </a:p>
-          <a:p>
-            <a:pPr lvl="1">
-              <a:buFont typeface="Courier New" panose="02070309020205020404" pitchFamily="49" charset="0"/>
-              <a:buChar char="o"/>
-            </a:pPr>
-            <a:r>
-              <a:rPr lang="de-DE" dirty="0"/>
-              <a:t>Syntax</a:t>
-            </a:r>
+              <a:rPr lang="de-DE" b="0" i="0" dirty="0">
+                <a:solidFill>
+                  <a:srgbClr val="000000"/>
+                </a:solidFill>
+                <a:effectLst/>
+              </a:rPr>
+              <a:t>Mehrere zusammengehörende Module können in Python weiter in so genannten Paketen zusammengefasst werden</a:t>
+            </a:r>
+            <a:endParaRPr lang="de-DE" dirty="0"/>
           </a:p>
         </p:txBody>
       </p:sp>
@@ -6837,6 +7226,144 @@
 </p:sld>
 </file>
 
+<file path=ppt/slides/slide7.xml><?xml version="1.0" encoding="utf-8"?>
+<p:sld xmlns:a="http://schemas.openxmlformats.org/drawingml/2006/main" xmlns:r="http://schemas.openxmlformats.org/officeDocument/2006/relationships" xmlns:p="http://schemas.openxmlformats.org/presentationml/2006/main">
+  <p:cSld>
+    <p:spTree>
+      <p:nvGrpSpPr>
+        <p:cNvPr id="1" name=""/>
+        <p:cNvGrpSpPr/>
+        <p:nvPr/>
+      </p:nvGrpSpPr>
+      <p:grpSpPr>
+        <a:xfrm>
+          <a:off x="0" y="0"/>
+          <a:ext cx="0" cy="0"/>
+          <a:chOff x="0" y="0"/>
+          <a:chExt cx="0" cy="0"/>
+        </a:xfrm>
+      </p:grpSpPr>
+      <p:sp>
+        <p:nvSpPr>
+          <p:cNvPr id="2" name="Titel 1">
+            <a:extLst>
+              <a:ext uri="{FF2B5EF4-FFF2-40B4-BE49-F238E27FC236}">
+                <a16:creationId xmlns:a16="http://schemas.microsoft.com/office/drawing/2014/main" id="{5660E320-622A-4452-BAD0-255711D5DC8E}"/>
+              </a:ext>
+            </a:extLst>
+          </p:cNvPr>
+          <p:cNvSpPr>
+            <a:spLocks noGrp="1"/>
+          </p:cNvSpPr>
+          <p:nvPr>
+            <p:ph type="title"/>
+          </p:nvPr>
+        </p:nvSpPr>
+        <p:spPr/>
+        <p:txBody>
+          <a:bodyPr/>
+          <a:lstStyle/>
+          <a:p>
+            <a:r>
+              <a:rPr lang="de-DE" dirty="0"/>
+              <a:t>Weitere Begriffe </a:t>
+            </a:r>
+          </a:p>
+        </p:txBody>
+      </p:sp>
+      <p:sp>
+        <p:nvSpPr>
+          <p:cNvPr id="3" name="Inhaltsplatzhalter 2">
+            <a:extLst>
+              <a:ext uri="{FF2B5EF4-FFF2-40B4-BE49-F238E27FC236}">
+                <a16:creationId xmlns:a16="http://schemas.microsoft.com/office/drawing/2014/main" id="{1C005944-DEE1-4770-A133-B2B4E9E3B4F0}"/>
+              </a:ext>
+            </a:extLst>
+          </p:cNvPr>
+          <p:cNvSpPr>
+            <a:spLocks noGrp="1"/>
+          </p:cNvSpPr>
+          <p:nvPr>
+            <p:ph idx="1"/>
+          </p:nvPr>
+        </p:nvSpPr>
+        <p:spPr/>
+        <p:txBody>
+          <a:bodyPr/>
+          <a:lstStyle/>
+          <a:p>
+            <a:pPr lvl="1">
+              <a:buFont typeface="Courier New" panose="02070309020205020404" pitchFamily="49" charset="0"/>
+              <a:buChar char="o"/>
+            </a:pPr>
+            <a:r>
+              <a:rPr lang="de-DE" dirty="0"/>
+              <a:t>Interpreter vs. Compiler</a:t>
+            </a:r>
+          </a:p>
+          <a:p>
+            <a:pPr lvl="2">
+              <a:buFont typeface="Courier New" panose="02070309020205020404" pitchFamily="49" charset="0"/>
+              <a:buChar char="o"/>
+            </a:pPr>
+            <a:r>
+              <a:rPr lang="de-DE" b="0" i="0" dirty="0">
+                <a:solidFill>
+                  <a:schemeClr val="tx1"/>
+                </a:solidFill>
+                <a:effectLst/>
+              </a:rPr>
+              <a:t>Ein Interpreter ist ein Programm, das Zeile für Zeile eines Quellprogramms ausliest und diesen Code direkt ausführt – auf der jeweiligen Plattform. </a:t>
+            </a:r>
+          </a:p>
+          <a:p>
+            <a:pPr lvl="2">
+              <a:buFont typeface="Courier New" panose="02070309020205020404" pitchFamily="49" charset="0"/>
+              <a:buChar char="o"/>
+            </a:pPr>
+            <a:r>
+              <a:rPr lang="de-DE" b="0" i="0" dirty="0">
+                <a:solidFill>
+                  <a:schemeClr val="tx1"/>
+                </a:solidFill>
+                <a:effectLst/>
+              </a:rPr>
+              <a:t>Damit unterscheidet sich der Interpreter vom Compiler, der den ganzen Code ausliest und zunächst übersetzt.</a:t>
+            </a:r>
+            <a:endParaRPr lang="de-DE" dirty="0">
+              <a:solidFill>
+                <a:schemeClr val="tx1"/>
+              </a:solidFill>
+            </a:endParaRPr>
+          </a:p>
+          <a:p>
+            <a:pPr lvl="1">
+              <a:buFont typeface="Courier New" panose="02070309020205020404" pitchFamily="49" charset="0"/>
+              <a:buChar char="o"/>
+            </a:pPr>
+            <a:r>
+              <a:rPr lang="de-DE" dirty="0"/>
+              <a:t>Syntax</a:t>
+            </a:r>
+          </a:p>
+          <a:p>
+            <a:endParaRPr lang="de-DE" dirty="0"/>
+          </a:p>
+        </p:txBody>
+      </p:sp>
+    </p:spTree>
+    <p:extLst>
+      <p:ext uri="{BB962C8B-B14F-4D97-AF65-F5344CB8AC3E}">
+        <p14:creationId xmlns:p14="http://schemas.microsoft.com/office/powerpoint/2010/main" val="1055407343"/>
+      </p:ext>
+    </p:extLst>
+  </p:cSld>
+  <p:clrMapOvr>
+    <a:masterClrMapping/>
+  </p:clrMapOvr>
+</p:sld>
+</file>
+
 <file path=ppt/slides/slide8.xml><?xml version="1.0" encoding="utf-8"?>
 <p:sld xmlns:a="http://schemas.openxmlformats.org/drawingml/2006/main" xmlns:r="http://schemas.openxmlformats.org/officeDocument/2006/relationships" xmlns:p="http://schemas.openxmlformats.org/presentationml/2006/main">
   <p:cSld>
@@ -6968,10 +7495,9 @@
               <a:buChar char="o"/>
             </a:pPr>
             <a:r>
-              <a:rPr lang="de-DE"/>
+              <a:rPr lang="de-DE" dirty="0"/>
               <a:t>Pull</a:t>
             </a:r>
-            <a:endParaRPr lang="de-DE" dirty="0"/>
           </a:p>
           <a:p>
             <a:pPr lvl="1">
@@ -6991,6 +7517,22 @@
             <a:r>
               <a:rPr lang="de-DE" dirty="0"/>
               <a:t>Push </a:t>
+            </a:r>
+          </a:p>
+          <a:p>
+            <a:pPr lvl="1">
+              <a:buFont typeface="Courier New" panose="02070309020205020404" pitchFamily="49" charset="0"/>
+              <a:buChar char="o"/>
+            </a:pPr>
+            <a:endParaRPr lang="de-DE" dirty="0"/>
+          </a:p>
+          <a:p>
+            <a:pPr marL="201168" lvl="1" indent="0">
+              <a:buNone/>
+            </a:pPr>
+            <a:r>
+              <a:rPr lang="de-DE" dirty="0"/>
+              <a:t>https://github.com/SvensGithub1/VHS_Python24</a:t>
             </a:r>
           </a:p>
         </p:txBody>
@@ -7074,140 +7616,38 @@
       </p:grpSpPr>
       <p:sp>
         <p:nvSpPr>
-          <p:cNvPr id="4" name="Date Placeholder 3">
+          <p:cNvPr id="2" name="Titel 1">
             <a:extLst>
               <a:ext uri="{FF2B5EF4-FFF2-40B4-BE49-F238E27FC236}">
-                <a16:creationId xmlns:a16="http://schemas.microsoft.com/office/drawing/2014/main" id="{2BF27315-9AB6-20A4-7C7B-A7385FEDF118}"/>
+                <a16:creationId xmlns:a16="http://schemas.microsoft.com/office/drawing/2014/main" id="{888C7E66-3E90-48E9-9C1D-E1E9FFC57E7C}"/>
               </a:ext>
             </a:extLst>
           </p:cNvPr>
-          <p:cNvSpPr txBox="1">
-            <a:spLocks/>
-          </p:cNvSpPr>
-          <p:nvPr/>
-        </p:nvSpPr>
-        <p:spPr>
-          <a:xfrm>
-            <a:off x="1097280" y="6459785"/>
-            <a:ext cx="2472271" cy="365125"/>
-          </a:xfrm>
-          <a:prstGeom prst="rect">
-            <a:avLst/>
-          </a:prstGeom>
-        </p:spPr>
-        <p:txBody>
-          <a:bodyPr vert="horz" lIns="91440" tIns="45720" rIns="91440" bIns="45720" rtlCol="0" anchor="ctr"/>
-          <a:lstStyle>
-            <a:defPPr>
-              <a:defRPr lang="en-US"/>
-            </a:defPPr>
-            <a:lvl1pPr marL="0" algn="l" defTabSz="457200" rtl="0" eaLnBrk="1" latinLnBrk="0" hangingPunct="1">
-              <a:defRPr sz="900" kern="1200">
-                <a:solidFill>
-                  <a:srgbClr val="FFFFFF"/>
-                </a:solidFill>
-                <a:latin typeface="+mn-lt"/>
-                <a:ea typeface="+mn-ea"/>
-                <a:cs typeface="+mn-cs"/>
-              </a:defRPr>
-            </a:lvl1pPr>
-            <a:lvl2pPr marL="457200" algn="l" defTabSz="457200" rtl="0" eaLnBrk="1" latinLnBrk="0" hangingPunct="1">
-              <a:defRPr sz="1800" kern="1200">
-                <a:solidFill>
-                  <a:schemeClr val="tx1"/>
-                </a:solidFill>
-                <a:latin typeface="+mn-lt"/>
-                <a:ea typeface="+mn-ea"/>
-                <a:cs typeface="+mn-cs"/>
-              </a:defRPr>
-            </a:lvl2pPr>
-            <a:lvl3pPr marL="914400" algn="l" defTabSz="457200" rtl="0" eaLnBrk="1" latinLnBrk="0" hangingPunct="1">
-              <a:defRPr sz="1800" kern="1200">
-                <a:solidFill>
-                  <a:schemeClr val="tx1"/>
-                </a:solidFill>
-                <a:latin typeface="+mn-lt"/>
-                <a:ea typeface="+mn-ea"/>
-                <a:cs typeface="+mn-cs"/>
-              </a:defRPr>
-            </a:lvl3pPr>
-            <a:lvl4pPr marL="1371600" algn="l" defTabSz="457200" rtl="0" eaLnBrk="1" latinLnBrk="0" hangingPunct="1">
-              <a:defRPr sz="1800" kern="1200">
-                <a:solidFill>
-                  <a:schemeClr val="tx1"/>
-                </a:solidFill>
-                <a:latin typeface="+mn-lt"/>
-                <a:ea typeface="+mn-ea"/>
-                <a:cs typeface="+mn-cs"/>
-              </a:defRPr>
-            </a:lvl4pPr>
-            <a:lvl5pPr marL="1828800" algn="l" defTabSz="457200" rtl="0" eaLnBrk="1" latinLnBrk="0" hangingPunct="1">
-              <a:defRPr sz="1800" kern="1200">
-                <a:solidFill>
-                  <a:schemeClr val="tx1"/>
-                </a:solidFill>
-                <a:latin typeface="+mn-lt"/>
-                <a:ea typeface="+mn-ea"/>
-                <a:cs typeface="+mn-cs"/>
-              </a:defRPr>
-            </a:lvl5pPr>
-            <a:lvl6pPr marL="2286000" algn="l" defTabSz="457200" rtl="0" eaLnBrk="1" latinLnBrk="0" hangingPunct="1">
-              <a:defRPr sz="1800" kern="1200">
-                <a:solidFill>
-                  <a:schemeClr val="tx1"/>
-                </a:solidFill>
-                <a:latin typeface="+mn-lt"/>
-                <a:ea typeface="+mn-ea"/>
-                <a:cs typeface="+mn-cs"/>
-              </a:defRPr>
-            </a:lvl6pPr>
-            <a:lvl7pPr marL="2743200" algn="l" defTabSz="457200" rtl="0" eaLnBrk="1" latinLnBrk="0" hangingPunct="1">
-              <a:defRPr sz="1800" kern="1200">
-                <a:solidFill>
-                  <a:schemeClr val="tx1"/>
-                </a:solidFill>
-                <a:latin typeface="+mn-lt"/>
-                <a:ea typeface="+mn-ea"/>
-                <a:cs typeface="+mn-cs"/>
-              </a:defRPr>
-            </a:lvl7pPr>
-            <a:lvl8pPr marL="3200400" algn="l" defTabSz="457200" rtl="0" eaLnBrk="1" latinLnBrk="0" hangingPunct="1">
-              <a:defRPr sz="1800" kern="1200">
-                <a:solidFill>
-                  <a:schemeClr val="tx1"/>
-                </a:solidFill>
-                <a:latin typeface="+mn-lt"/>
-                <a:ea typeface="+mn-ea"/>
-                <a:cs typeface="+mn-cs"/>
-              </a:defRPr>
-            </a:lvl8pPr>
-            <a:lvl9pPr marL="3657600" algn="l" defTabSz="457200" rtl="0" eaLnBrk="1" latinLnBrk="0" hangingPunct="1">
-              <a:defRPr sz="1800" kern="1200">
-                <a:solidFill>
-                  <a:schemeClr val="tx1"/>
-                </a:solidFill>
-                <a:latin typeface="+mn-lt"/>
-                <a:ea typeface="+mn-ea"/>
-                <a:cs typeface="+mn-cs"/>
-              </a:defRPr>
-            </a:lvl9pPr>
-          </a:lstStyle>
-          <a:p>
-            <a:fld id="{3D984EFE-C229-442C-9F2C-F2F53AD7AE61}" type="datetimeFigureOut">
-              <a:rPr lang="de-DE" smtClean="0"/>
-              <a:pPr/>
-              <a:t>16.02.2024</a:t>
-            </a:fld>
-            <a:endParaRPr lang="de-DE" dirty="0"/>
-          </a:p>
-        </p:txBody>
-      </p:sp>
-      <p:sp>
-        <p:nvSpPr>
-          <p:cNvPr id="5" name="Titel 1">
+          <p:cNvSpPr>
+            <a:spLocks noGrp="1"/>
+          </p:cNvSpPr>
+          <p:nvPr>
+            <p:ph type="title"/>
+          </p:nvPr>
+        </p:nvSpPr>
+        <p:spPr/>
+        <p:txBody>
+          <a:bodyPr/>
+          <a:lstStyle/>
+          <a:p>
+            <a:r>
+              <a:rPr lang="de-DE" dirty="0"/>
+              <a:t>Freiwillige Hausaufgabe</a:t>
+            </a:r>
+          </a:p>
+        </p:txBody>
+      </p:sp>
+      <p:sp>
+        <p:nvSpPr>
+          <p:cNvPr id="3" name="Inhaltsplatzhalter 2">
             <a:extLst>
               <a:ext uri="{FF2B5EF4-FFF2-40B4-BE49-F238E27FC236}">
-                <a16:creationId xmlns:a16="http://schemas.microsoft.com/office/drawing/2014/main" id="{39789A5C-1CFC-C978-9A0A-7B41D817284E}"/>
+                <a16:creationId xmlns:a16="http://schemas.microsoft.com/office/drawing/2014/main" id="{D0AAB5B7-70AA-44BE-B0DF-35143E2FF0E4}"/>
               </a:ext>
             </a:extLst>
           </p:cNvPr>
@@ -7215,188 +7655,69 @@
             <a:spLocks noGrp="1"/>
           </p:cNvSpPr>
           <p:nvPr>
-            <p:ph type="title"/>
-          </p:nvPr>
-        </p:nvSpPr>
-        <p:spPr>
-          <a:xfrm>
-            <a:off x="1097279" y="298315"/>
-            <a:ext cx="10128439" cy="1320800"/>
-          </a:xfrm>
-        </p:spPr>
+            <p:ph idx="1"/>
+          </p:nvPr>
+        </p:nvSpPr>
+        <p:spPr/>
         <p:txBody>
           <a:bodyPr/>
           <a:lstStyle/>
           <a:p>
+            <a:pPr>
+              <a:buFont typeface="Arial" panose="020B0604020202020204" pitchFamily="34" charset="0"/>
+              <a:buChar char="•"/>
+            </a:pPr>
             <a:r>
               <a:rPr lang="de-DE" dirty="0"/>
-              <a:t>Environments in </a:t>
-            </a:r>
-            <a:r>
-              <a:rPr lang="de-DE" dirty="0" err="1"/>
-              <a:t>Conda</a:t>
-            </a:r>
-            <a:endParaRPr lang="de-DE" dirty="0"/>
-          </a:p>
-        </p:txBody>
-      </p:sp>
-      <p:sp>
-        <p:nvSpPr>
-          <p:cNvPr id="6" name="Inhaltsplatzhalter 2">
-            <a:extLst>
-              <a:ext uri="{FF2B5EF4-FFF2-40B4-BE49-F238E27FC236}">
-                <a16:creationId xmlns:a16="http://schemas.microsoft.com/office/drawing/2014/main" id="{7700E18D-07F5-BDD0-F771-E558CBAC8AA5}"/>
-              </a:ext>
-            </a:extLst>
-          </p:cNvPr>
-          <p:cNvSpPr>
-            <a:spLocks noGrp="1"/>
-          </p:cNvSpPr>
-          <p:nvPr>
-            <p:ph idx="1"/>
-          </p:nvPr>
-        </p:nvSpPr>
-        <p:spPr>
-          <a:xfrm>
-            <a:off x="1097279" y="1849304"/>
-            <a:ext cx="10128439" cy="3880773"/>
-          </a:xfrm>
-        </p:spPr>
-        <p:txBody>
-          <a:bodyPr/>
-          <a:lstStyle/>
-          <a:p>
+              <a:t> Python auf privatem Rechner installieren</a:t>
+            </a:r>
+          </a:p>
+          <a:p>
+            <a:pPr lvl="1">
+              <a:buFont typeface="Arial" panose="020B0604020202020204" pitchFamily="34" charset="0"/>
+              <a:buChar char="•"/>
+            </a:pPr>
             <a:r>
               <a:rPr lang="de-DE" dirty="0"/>
-              <a:t>Ermöglicht das Erstellen von unterschiedlichen, unabhängigen Umgebungen für verschiedene Projekt</a:t>
-            </a:r>
-          </a:p>
-          <a:p>
-            <a:pPr lvl="1"/>
-            <a:r>
-              <a:rPr lang="de-DE" dirty="0"/>
-              <a:t>Verwendung unterschiedlicher Python Versionen und Paketen</a:t>
-            </a:r>
-          </a:p>
-          <a:p>
-            <a:pPr lvl="1"/>
-            <a:r>
-              <a:rPr lang="de-DE" dirty="0"/>
-              <a:t>Umgebungen können exportiert und geteilt werden</a:t>
-            </a:r>
-          </a:p>
-          <a:p>
-            <a:r>
-              <a:rPr lang="de-DE" dirty="0"/>
-              <a:t>Erstellen einer Environment</a:t>
-            </a:r>
-          </a:p>
-          <a:p>
-            <a:pPr lvl="1"/>
-            <a:r>
-              <a:rPr lang="de-DE" dirty="0"/>
-              <a:t>Öffnen des </a:t>
+              <a:t>Empfehlung Verwendung von </a:t>
             </a:r>
             <a:r>
               <a:rPr lang="de-DE" dirty="0" err="1"/>
               <a:t>Anaconda</a:t>
             </a:r>
-            <a:r>
-              <a:rPr lang="de-DE" dirty="0"/>
-              <a:t> Navigator</a:t>
-            </a:r>
-          </a:p>
-          <a:p>
-            <a:pPr lvl="1"/>
-            <a:r>
-              <a:rPr lang="de-DE" dirty="0"/>
-              <a:t>Öffnen des </a:t>
-            </a:r>
-            <a:r>
-              <a:rPr lang="de-DE" dirty="0" err="1"/>
-              <a:t>Anaconda</a:t>
-            </a:r>
-            <a:r>
-              <a:rPr lang="de-DE" dirty="0"/>
-              <a:t> Terminals</a:t>
-            </a:r>
-          </a:p>
-          <a:p>
-            <a:pPr lvl="1"/>
-            <a:r>
-              <a:rPr lang="de-DE" dirty="0"/>
-              <a:t>Erstellen: </a:t>
-            </a:r>
-            <a:r>
-              <a:rPr lang="de-DE" b="1" i="1" dirty="0" err="1"/>
-              <a:t>conda</a:t>
-            </a:r>
-            <a:r>
-              <a:rPr lang="de-DE" b="1" i="1" dirty="0"/>
-              <a:t> </a:t>
-            </a:r>
-            <a:r>
-              <a:rPr lang="de-DE" b="1" i="1" dirty="0" err="1"/>
-              <a:t>create</a:t>
-            </a:r>
-            <a:r>
-              <a:rPr lang="de-DE" b="1" i="1" dirty="0"/>
-              <a:t> --name </a:t>
-            </a:r>
-            <a:r>
-              <a:rPr lang="de-DE" b="1" i="1" dirty="0" err="1"/>
-              <a:t>myenv</a:t>
-            </a:r>
-            <a:endParaRPr lang="de-DE" b="1" i="1" dirty="0"/>
-          </a:p>
-          <a:p>
-            <a:pPr lvl="1"/>
-            <a:r>
-              <a:rPr lang="de-DE" dirty="0"/>
-              <a:t>Aktivieren</a:t>
-            </a:r>
-            <a:r>
-              <a:rPr lang="de-DE" b="1" i="1" dirty="0"/>
-              <a:t>: </a:t>
-            </a:r>
-            <a:r>
-              <a:rPr lang="de-DE" b="1" i="1" dirty="0" err="1"/>
-              <a:t>conda</a:t>
-            </a:r>
-            <a:r>
-              <a:rPr lang="de-DE" b="1" i="1" dirty="0"/>
-              <a:t> </a:t>
-            </a:r>
-            <a:r>
-              <a:rPr lang="de-DE" b="1" i="1" dirty="0" err="1"/>
-              <a:t>activate</a:t>
-            </a:r>
-            <a:r>
-              <a:rPr lang="de-DE" b="1" i="1" dirty="0"/>
-              <a:t> </a:t>
-            </a:r>
-            <a:r>
-              <a:rPr lang="de-DE" b="1" i="1" dirty="0" err="1"/>
-              <a:t>myenv</a:t>
-            </a:r>
-            <a:endParaRPr lang="de-DE" b="1" i="1" dirty="0"/>
-          </a:p>
-          <a:p>
-            <a:pPr lvl="1"/>
-            <a:endParaRPr lang="de-DE" b="1" i="1" dirty="0"/>
-          </a:p>
-          <a:p>
-            <a:pPr marL="457200" lvl="1" indent="0">
-              <a:buNone/>
+            <a:endParaRPr lang="de-DE" dirty="0"/>
+          </a:p>
+          <a:p>
+            <a:pPr lvl="1">
+              <a:buFont typeface="Arial" panose="020B0604020202020204" pitchFamily="34" charset="0"/>
+              <a:buChar char="•"/>
             </a:pPr>
             <a:endParaRPr lang="de-DE" dirty="0"/>
+          </a:p>
+          <a:p>
+            <a:pPr>
+              <a:buFont typeface="Arial" panose="020B0604020202020204" pitchFamily="34" charset="0"/>
+              <a:buChar char="•"/>
+            </a:pPr>
+            <a:r>
+              <a:rPr lang="de-DE" dirty="0"/>
+              <a:t> GitHub </a:t>
+            </a:r>
+            <a:r>
+              <a:rPr lang="de-DE" dirty="0" err="1"/>
+              <a:t>account</a:t>
+            </a:r>
+            <a:r>
+              <a:rPr lang="de-DE" dirty="0"/>
+              <a:t> erstellen</a:t>
+            </a:r>
           </a:p>
         </p:txBody>
       </p:sp>
     </p:spTree>
     <p:extLst>
       <p:ext uri="{BB962C8B-B14F-4D97-AF65-F5344CB8AC3E}">
-        <p14:creationId xmlns:p14="http://schemas.microsoft.com/office/powerpoint/2010/main" val="3143212413"/>
+        <p14:creationId xmlns:p14="http://schemas.microsoft.com/office/powerpoint/2010/main" val="2901900566"/>
       </p:ext>
     </p:extLst>
   </p:cSld>

--- a/Stunde_eins.pptx
+++ b/Stunde_eins.pptx
@@ -8,8 +8,8 @@
     <p:sldId id="256" r:id="rId2"/>
     <p:sldId id="262" r:id="rId3"/>
     <p:sldId id="263" r:id="rId4"/>
-    <p:sldId id="261" r:id="rId5"/>
-    <p:sldId id="265" r:id="rId6"/>
+    <p:sldId id="265" r:id="rId5"/>
+    <p:sldId id="261" r:id="rId6"/>
     <p:sldId id="264" r:id="rId7"/>
     <p:sldId id="267" r:id="rId8"/>
     <p:sldId id="266" r:id="rId9"/>
@@ -6552,89 +6552,6 @@
           <p:cNvPr id="2" name="Titel 1">
             <a:extLst>
               <a:ext uri="{FF2B5EF4-FFF2-40B4-BE49-F238E27FC236}">
-                <a16:creationId xmlns:a16="http://schemas.microsoft.com/office/drawing/2014/main" id="{44557841-50F0-08A0-59DA-89D9F54EEBCC}"/>
-              </a:ext>
-            </a:extLst>
-          </p:cNvPr>
-          <p:cNvSpPr>
-            <a:spLocks noGrp="1"/>
-          </p:cNvSpPr>
-          <p:nvPr>
-            <p:ph type="title"/>
-          </p:nvPr>
-        </p:nvSpPr>
-        <p:spPr/>
-        <p:txBody>
-          <a:bodyPr/>
-          <a:lstStyle/>
-          <a:p>
-            <a:r>
-              <a:rPr lang="de-DE" dirty="0"/>
-              <a:t>Inhalt des Kurses</a:t>
-            </a:r>
-          </a:p>
-        </p:txBody>
-      </p:sp>
-      <p:sp>
-        <p:nvSpPr>
-          <p:cNvPr id="3" name="Inhaltsplatzhalter 2">
-            <a:extLst>
-              <a:ext uri="{FF2B5EF4-FFF2-40B4-BE49-F238E27FC236}">
-                <a16:creationId xmlns:a16="http://schemas.microsoft.com/office/drawing/2014/main" id="{37CA3800-C836-3556-0237-A2FA22EE73FB}"/>
-              </a:ext>
-            </a:extLst>
-          </p:cNvPr>
-          <p:cNvSpPr>
-            <a:spLocks noGrp="1"/>
-          </p:cNvSpPr>
-          <p:nvPr>
-            <p:ph idx="1"/>
-          </p:nvPr>
-        </p:nvSpPr>
-        <p:spPr/>
-        <p:txBody>
-          <a:bodyPr/>
-          <a:lstStyle/>
-          <a:p>
-            <a:endParaRPr lang="de-DE"/>
-          </a:p>
-        </p:txBody>
-      </p:sp>
-    </p:spTree>
-    <p:extLst>
-      <p:ext uri="{BB962C8B-B14F-4D97-AF65-F5344CB8AC3E}">
-        <p14:creationId xmlns:p14="http://schemas.microsoft.com/office/powerpoint/2010/main" val="2391723158"/>
-      </p:ext>
-    </p:extLst>
-  </p:cSld>
-  <p:clrMapOvr>
-    <a:masterClrMapping/>
-  </p:clrMapOvr>
-</p:sld>
-</file>
-
-<file path=ppt/slides/slide5.xml><?xml version="1.0" encoding="utf-8"?>
-<p:sld xmlns:a="http://schemas.openxmlformats.org/drawingml/2006/main" xmlns:r="http://schemas.openxmlformats.org/officeDocument/2006/relationships" xmlns:p="http://schemas.openxmlformats.org/presentationml/2006/main">
-  <p:cSld>
-    <p:spTree>
-      <p:nvGrpSpPr>
-        <p:cNvPr id="1" name=""/>
-        <p:cNvGrpSpPr/>
-        <p:nvPr/>
-      </p:nvGrpSpPr>
-      <p:grpSpPr>
-        <a:xfrm>
-          <a:off x="0" y="0"/>
-          <a:ext cx="0" cy="0"/>
-          <a:chOff x="0" y="0"/>
-          <a:chExt cx="0" cy="0"/>
-        </a:xfrm>
-      </p:grpSpPr>
-      <p:sp>
-        <p:nvSpPr>
-          <p:cNvPr id="2" name="Titel 1">
-            <a:extLst>
-              <a:ext uri="{FF2B5EF4-FFF2-40B4-BE49-F238E27FC236}">
                 <a16:creationId xmlns:a16="http://schemas.microsoft.com/office/drawing/2014/main" id="{0D5A70E3-7904-4148-1655-7172A4A03154}"/>
               </a:ext>
             </a:extLst>
@@ -6831,6 +6748,206 @@
     <p:extLst>
       <p:ext uri="{BB962C8B-B14F-4D97-AF65-F5344CB8AC3E}">
         <p14:creationId xmlns:p14="http://schemas.microsoft.com/office/powerpoint/2010/main" val="887748984"/>
+      </p:ext>
+    </p:extLst>
+  </p:cSld>
+  <p:clrMapOvr>
+    <a:masterClrMapping/>
+  </p:clrMapOvr>
+</p:sld>
+</file>
+
+<file path=ppt/slides/slide5.xml><?xml version="1.0" encoding="utf-8"?>
+<p:sld xmlns:a="http://schemas.openxmlformats.org/drawingml/2006/main" xmlns:r="http://schemas.openxmlformats.org/officeDocument/2006/relationships" xmlns:p="http://schemas.openxmlformats.org/presentationml/2006/main">
+  <p:cSld>
+    <p:spTree>
+      <p:nvGrpSpPr>
+        <p:cNvPr id="1" name=""/>
+        <p:cNvGrpSpPr/>
+        <p:nvPr/>
+      </p:nvGrpSpPr>
+      <p:grpSpPr>
+        <a:xfrm>
+          <a:off x="0" y="0"/>
+          <a:ext cx="0" cy="0"/>
+          <a:chOff x="0" y="0"/>
+          <a:chExt cx="0" cy="0"/>
+        </a:xfrm>
+      </p:grpSpPr>
+      <p:sp>
+        <p:nvSpPr>
+          <p:cNvPr id="2" name="Titel 1">
+            <a:extLst>
+              <a:ext uri="{FF2B5EF4-FFF2-40B4-BE49-F238E27FC236}">
+                <a16:creationId xmlns:a16="http://schemas.microsoft.com/office/drawing/2014/main" id="{44557841-50F0-08A0-59DA-89D9F54EEBCC}"/>
+              </a:ext>
+            </a:extLst>
+          </p:cNvPr>
+          <p:cNvSpPr>
+            <a:spLocks noGrp="1"/>
+          </p:cNvSpPr>
+          <p:nvPr>
+            <p:ph type="title"/>
+          </p:nvPr>
+        </p:nvSpPr>
+        <p:spPr/>
+        <p:txBody>
+          <a:bodyPr/>
+          <a:lstStyle/>
+          <a:p>
+            <a:r>
+              <a:rPr lang="de-DE" dirty="0"/>
+              <a:t>Inhalt des Kurses</a:t>
+            </a:r>
+          </a:p>
+        </p:txBody>
+      </p:sp>
+      <p:sp>
+        <p:nvSpPr>
+          <p:cNvPr id="3" name="Inhaltsplatzhalter 2">
+            <a:extLst>
+              <a:ext uri="{FF2B5EF4-FFF2-40B4-BE49-F238E27FC236}">
+                <a16:creationId xmlns:a16="http://schemas.microsoft.com/office/drawing/2014/main" id="{37CA3800-C836-3556-0237-A2FA22EE73FB}"/>
+              </a:ext>
+            </a:extLst>
+          </p:cNvPr>
+          <p:cNvSpPr>
+            <a:spLocks noGrp="1"/>
+          </p:cNvSpPr>
+          <p:nvPr>
+            <p:ph idx="1"/>
+          </p:nvPr>
+        </p:nvSpPr>
+        <p:spPr/>
+        <p:txBody>
+          <a:bodyPr>
+            <a:normAutofit fontScale="92500" lnSpcReduction="10000"/>
+          </a:bodyPr>
+          <a:lstStyle/>
+          <a:p>
+            <a:pPr>
+              <a:buFont typeface="Wingdings" panose="05000000000000000000" pitchFamily="2" charset="2"/>
+              <a:buChar char="§"/>
+            </a:pPr>
+            <a:r>
+              <a:rPr lang="de-DE" dirty="0"/>
+              <a:t> Generelle Einführung</a:t>
+            </a:r>
+          </a:p>
+          <a:p>
+            <a:pPr lvl="1">
+              <a:buFont typeface="Wingdings" panose="05000000000000000000" pitchFamily="2" charset="2"/>
+              <a:buChar char="§"/>
+            </a:pPr>
+            <a:r>
+              <a:rPr lang="de-DE" dirty="0"/>
+              <a:t>Programmieren</a:t>
+            </a:r>
+          </a:p>
+          <a:p>
+            <a:pPr lvl="1">
+              <a:buFont typeface="Wingdings" panose="05000000000000000000" pitchFamily="2" charset="2"/>
+              <a:buChar char="§"/>
+            </a:pPr>
+            <a:r>
+              <a:rPr lang="de-DE" dirty="0"/>
+              <a:t>Programmierumgebung</a:t>
+            </a:r>
+          </a:p>
+          <a:p>
+            <a:pPr>
+              <a:buFont typeface="Wingdings" panose="05000000000000000000" pitchFamily="2" charset="2"/>
+              <a:buChar char="§"/>
+            </a:pPr>
+            <a:r>
+              <a:rPr lang="de-DE" dirty="0"/>
+              <a:t> Syntax</a:t>
+            </a:r>
+          </a:p>
+          <a:p>
+            <a:pPr>
+              <a:buFont typeface="Wingdings" panose="05000000000000000000" pitchFamily="2" charset="2"/>
+              <a:buChar char="§"/>
+            </a:pPr>
+            <a:r>
+              <a:rPr lang="de-DE" dirty="0"/>
+              <a:t> Datenstrukturen</a:t>
+            </a:r>
+          </a:p>
+          <a:p>
+            <a:pPr>
+              <a:buFont typeface="Wingdings" panose="05000000000000000000" pitchFamily="2" charset="2"/>
+              <a:buChar char="§"/>
+            </a:pPr>
+            <a:r>
+              <a:rPr lang="de-DE" dirty="0"/>
+              <a:t> Logik und Schleifen</a:t>
+            </a:r>
+          </a:p>
+          <a:p>
+            <a:pPr>
+              <a:buFont typeface="Wingdings" panose="05000000000000000000" pitchFamily="2" charset="2"/>
+              <a:buChar char="§"/>
+            </a:pPr>
+            <a:r>
+              <a:rPr lang="de-DE" dirty="0"/>
+              <a:t> Sortieralgorithmen</a:t>
+            </a:r>
+          </a:p>
+          <a:p>
+            <a:pPr>
+              <a:buFont typeface="Wingdings" panose="05000000000000000000" pitchFamily="2" charset="2"/>
+              <a:buChar char="§"/>
+            </a:pPr>
+            <a:r>
+              <a:rPr lang="de-DE" dirty="0"/>
+              <a:t> Clean Coding</a:t>
+            </a:r>
+          </a:p>
+          <a:p>
+            <a:pPr>
+              <a:buFont typeface="Wingdings" panose="05000000000000000000" pitchFamily="2" charset="2"/>
+              <a:buChar char="§"/>
+            </a:pPr>
+            <a:r>
+              <a:rPr lang="de-DE" dirty="0"/>
+              <a:t> Spezielle Bibliotheken</a:t>
+            </a:r>
+          </a:p>
+          <a:p>
+            <a:pPr lvl="1">
+              <a:buFont typeface="Wingdings" panose="05000000000000000000" pitchFamily="2" charset="2"/>
+              <a:buChar char="§"/>
+            </a:pPr>
+            <a:r>
+              <a:rPr lang="de-DE" dirty="0" err="1"/>
+              <a:t>MatplotLib</a:t>
+            </a:r>
+            <a:endParaRPr lang="de-DE" dirty="0"/>
+          </a:p>
+          <a:p>
+            <a:pPr lvl="1">
+              <a:buFont typeface="Wingdings" panose="05000000000000000000" pitchFamily="2" charset="2"/>
+              <a:buChar char="§"/>
+            </a:pPr>
+            <a:r>
+              <a:rPr lang="de-DE" dirty="0"/>
+              <a:t>…</a:t>
+            </a:r>
+          </a:p>
+          <a:p>
+            <a:pPr>
+              <a:buFont typeface="Wingdings" panose="05000000000000000000" pitchFamily="2" charset="2"/>
+              <a:buChar char="§"/>
+            </a:pPr>
+            <a:endParaRPr lang="de-DE" dirty="0"/>
+          </a:p>
+        </p:txBody>
+      </p:sp>
+    </p:spTree>
+    <p:extLst>
+      <p:ext uri="{BB962C8B-B14F-4D97-AF65-F5344CB8AC3E}">
+        <p14:creationId xmlns:p14="http://schemas.microsoft.com/office/powerpoint/2010/main" val="2391723158"/>
       </p:ext>
     </p:extLst>
   </p:cSld>
